--- a/presentations/Practical_2_de_novo_assembly_of_454_reads_with_Newbler.pptx
+++ b/presentations/Practical_2_de_novo_assembly_of_454_reads_with_Newbler.pptx
@@ -1,6 +1,6 @@
 
 <file path=ppt/presentation.xml><?xml version="1.0" encoding="utf-8"?>
-<p:presentation xmlns:a="http://schemas.openxmlformats.org/drawingml/2006/main" xmlns:r="http://schemas.openxmlformats.org/officeDocument/2006/relationships" xmlns:mc="http://schemas.openxmlformats.org/markup-compatibility/2006" xmlns:mv="urn:schemas-microsoft-com:mac:vml" xmlns:p="http://schemas.openxmlformats.org/presentationml/2006/main" mc:Ignorable="mv" mc:PreserveAttributes="mv:*" saveSubsetFonts="1" autoCompressPictures="0">
+<p:presentation xmlns:a="http://schemas.openxmlformats.org/drawingml/2006/main" xmlns:r="http://schemas.openxmlformats.org/officeDocument/2006/relationships" xmlns:p="http://schemas.openxmlformats.org/presentationml/2006/main" saveSubsetFonts="1" autoCompressPictures="0">
   <p:sldMasterIdLst>
     <p:sldMasterId id="2147483648" r:id="rId1"/>
   </p:sldMasterIdLst>
@@ -125,7 +125,7 @@
 </file>
 
 <file path=ppt/notesMasters/notesMaster1.xml><?xml version="1.0" encoding="utf-8"?>
-<p:notesMaster xmlns:a="http://schemas.openxmlformats.org/drawingml/2006/main" xmlns:r="http://schemas.openxmlformats.org/officeDocument/2006/relationships" xmlns:mc="http://schemas.openxmlformats.org/markup-compatibility/2006" xmlns:mv="urn:schemas-microsoft-com:mac:vml" xmlns:p="http://schemas.openxmlformats.org/presentationml/2006/main" mc:Ignorable="mv" mc:PreserveAttributes="mv:*">
+<p:notesMaster xmlns:a="http://schemas.openxmlformats.org/drawingml/2006/main" xmlns:r="http://schemas.openxmlformats.org/officeDocument/2006/relationships" xmlns:p="http://schemas.openxmlformats.org/presentationml/2006/main">
   <p:cSld>
     <p:bg>
       <p:bgRef idx="1001">
@@ -207,7 +207,7 @@
             <a:fld id="{7B017CDE-E91F-D348-A70E-2B7B84391936}" type="datetimeFigureOut">
               <a:rPr lang="en-US" smtClean="0"/>
               <a:pPr/>
-              <a:t>10/20/11</a:t>
+              <a:t>22/10/2011</a:t>
             </a:fld>
             <a:endParaRPr lang="en-US"/>
           </a:p>
@@ -376,6 +376,11 @@
         </p:txBody>
       </p:sp>
     </p:spTree>
+    <p:extLst>
+      <p:ext uri="{BB962C8B-B14F-4D97-AF65-F5344CB8AC3E}">
+        <p14:creationId xmlns:p14="http://schemas.microsoft.com/office/powerpoint/2010/main" val="3945245888"/>
+      </p:ext>
+    </p:extLst>
   </p:cSld>
   <p:clrMap bg1="lt1" tx1="dk1" bg2="lt2" tx2="dk2" accent1="accent1" accent2="accent2" accent3="accent3" accent4="accent4" accent5="accent5" accent6="accent6" hlink="hlink" folHlink="folHlink"/>
   <p:notesStyle>
@@ -474,7 +479,7 @@
 </file>
 
 <file path=ppt/slideLayouts/slideLayout1.xml><?xml version="1.0" encoding="utf-8"?>
-<p:sldLayout xmlns:a="http://schemas.openxmlformats.org/drawingml/2006/main" xmlns:r="http://schemas.openxmlformats.org/officeDocument/2006/relationships" xmlns:mc="http://schemas.openxmlformats.org/markup-compatibility/2006" xmlns:mv="urn:schemas-microsoft-com:mac:vml" xmlns:p="http://schemas.openxmlformats.org/presentationml/2006/main" mc:Ignorable="mv" mc:PreserveAttributes="mv:*" type="title" preserve="1">
+<p:sldLayout xmlns:a="http://schemas.openxmlformats.org/drawingml/2006/main" xmlns:r="http://schemas.openxmlformats.org/officeDocument/2006/relationships" xmlns:p="http://schemas.openxmlformats.org/presentationml/2006/main" type="title" preserve="1">
   <p:cSld name="Title Slide">
     <p:spTree>
       <p:nvGrpSpPr>
@@ -655,7 +660,7 @@
             <a:fld id="{A4AAEA4C-2FC0-8F41-AA8D-DA93A16F9072}" type="datetimeFigureOut">
               <a:rPr lang="en-US" smtClean="0"/>
               <a:pPr/>
-              <a:t>10/20/11</a:t>
+              <a:t>22/10/2011</a:t>
             </a:fld>
             <a:endParaRPr lang="en-US"/>
           </a:p>
@@ -713,7 +718,7 @@
 </file>
 
 <file path=ppt/slideLayouts/slideLayout10.xml><?xml version="1.0" encoding="utf-8"?>
-<p:sldLayout xmlns:a="http://schemas.openxmlformats.org/drawingml/2006/main" xmlns:r="http://schemas.openxmlformats.org/officeDocument/2006/relationships" xmlns:mc="http://schemas.openxmlformats.org/markup-compatibility/2006" xmlns:mv="urn:schemas-microsoft-com:mac:vml" xmlns:p="http://schemas.openxmlformats.org/presentationml/2006/main" mc:Ignorable="mv" mc:PreserveAttributes="mv:*" type="vertTx" preserve="1">
+<p:sldLayout xmlns:a="http://schemas.openxmlformats.org/drawingml/2006/main" xmlns:r="http://schemas.openxmlformats.org/officeDocument/2006/relationships" xmlns:p="http://schemas.openxmlformats.org/presentationml/2006/main" type="vertTx" preserve="1">
   <p:cSld name="Title and Vertical Text">
     <p:spTree>
       <p:nvGrpSpPr>
@@ -822,7 +827,7 @@
             <a:fld id="{A4AAEA4C-2FC0-8F41-AA8D-DA93A16F9072}" type="datetimeFigureOut">
               <a:rPr lang="en-US" smtClean="0"/>
               <a:pPr/>
-              <a:t>10/20/11</a:t>
+              <a:t>22/10/2011</a:t>
             </a:fld>
             <a:endParaRPr lang="en-US"/>
           </a:p>
@@ -880,7 +885,7 @@
 </file>
 
 <file path=ppt/slideLayouts/slideLayout11.xml><?xml version="1.0" encoding="utf-8"?>
-<p:sldLayout xmlns:a="http://schemas.openxmlformats.org/drawingml/2006/main" xmlns:r="http://schemas.openxmlformats.org/officeDocument/2006/relationships" xmlns:mc="http://schemas.openxmlformats.org/markup-compatibility/2006" xmlns:mv="urn:schemas-microsoft-com:mac:vml" xmlns:p="http://schemas.openxmlformats.org/presentationml/2006/main" mc:Ignorable="mv" mc:PreserveAttributes="mv:*" type="vertTitleAndTx" preserve="1">
+<p:sldLayout xmlns:a="http://schemas.openxmlformats.org/drawingml/2006/main" xmlns:r="http://schemas.openxmlformats.org/officeDocument/2006/relationships" xmlns:p="http://schemas.openxmlformats.org/presentationml/2006/main" type="vertTitleAndTx" preserve="1">
   <p:cSld name="Vertical Title and Text">
     <p:spTree>
       <p:nvGrpSpPr>
@@ -999,7 +1004,7 @@
             <a:fld id="{A4AAEA4C-2FC0-8F41-AA8D-DA93A16F9072}" type="datetimeFigureOut">
               <a:rPr lang="en-US" smtClean="0"/>
               <a:pPr/>
-              <a:t>10/20/11</a:t>
+              <a:t>22/10/2011</a:t>
             </a:fld>
             <a:endParaRPr lang="en-US"/>
           </a:p>
@@ -1057,7 +1062,7 @@
 </file>
 
 <file path=ppt/slideLayouts/slideLayout2.xml><?xml version="1.0" encoding="utf-8"?>
-<p:sldLayout xmlns:a="http://schemas.openxmlformats.org/drawingml/2006/main" xmlns:r="http://schemas.openxmlformats.org/officeDocument/2006/relationships" xmlns:mc="http://schemas.openxmlformats.org/markup-compatibility/2006" xmlns:mv="urn:schemas-microsoft-com:mac:vml" xmlns:p="http://schemas.openxmlformats.org/presentationml/2006/main" mc:Ignorable="mv" mc:PreserveAttributes="mv:*" type="obj" preserve="1">
+<p:sldLayout xmlns:a="http://schemas.openxmlformats.org/drawingml/2006/main" xmlns:r="http://schemas.openxmlformats.org/officeDocument/2006/relationships" xmlns:p="http://schemas.openxmlformats.org/presentationml/2006/main" type="obj" preserve="1">
   <p:cSld name="Title and Content">
     <p:spTree>
       <p:nvGrpSpPr>
@@ -1166,7 +1171,7 @@
             <a:fld id="{A4AAEA4C-2FC0-8F41-AA8D-DA93A16F9072}" type="datetimeFigureOut">
               <a:rPr lang="en-US" smtClean="0"/>
               <a:pPr/>
-              <a:t>10/20/11</a:t>
+              <a:t>22/10/2011</a:t>
             </a:fld>
             <a:endParaRPr lang="en-US"/>
           </a:p>
@@ -1224,7 +1229,7 @@
 </file>
 
 <file path=ppt/slideLayouts/slideLayout3.xml><?xml version="1.0" encoding="utf-8"?>
-<p:sldLayout xmlns:a="http://schemas.openxmlformats.org/drawingml/2006/main" xmlns:r="http://schemas.openxmlformats.org/officeDocument/2006/relationships" xmlns:mc="http://schemas.openxmlformats.org/markup-compatibility/2006" xmlns:mv="urn:schemas-microsoft-com:mac:vml" xmlns:p="http://schemas.openxmlformats.org/presentationml/2006/main" mc:Ignorable="mv" mc:PreserveAttributes="mv:*" type="secHead" preserve="1">
+<p:sldLayout xmlns:a="http://schemas.openxmlformats.org/drawingml/2006/main" xmlns:r="http://schemas.openxmlformats.org/officeDocument/2006/relationships" xmlns:p="http://schemas.openxmlformats.org/presentationml/2006/main" type="secHead" preserve="1">
   <p:cSld name="Section Header">
     <p:spTree>
       <p:nvGrpSpPr>
@@ -1409,7 +1414,7 @@
             <a:fld id="{A4AAEA4C-2FC0-8F41-AA8D-DA93A16F9072}" type="datetimeFigureOut">
               <a:rPr lang="en-US" smtClean="0"/>
               <a:pPr/>
-              <a:t>10/20/11</a:t>
+              <a:t>22/10/2011</a:t>
             </a:fld>
             <a:endParaRPr lang="en-US"/>
           </a:p>
@@ -1467,7 +1472,7 @@
 </file>
 
 <file path=ppt/slideLayouts/slideLayout4.xml><?xml version="1.0" encoding="utf-8"?>
-<p:sldLayout xmlns:a="http://schemas.openxmlformats.org/drawingml/2006/main" xmlns:r="http://schemas.openxmlformats.org/officeDocument/2006/relationships" xmlns:mc="http://schemas.openxmlformats.org/markup-compatibility/2006" xmlns:mv="urn:schemas-microsoft-com:mac:vml" xmlns:p="http://schemas.openxmlformats.org/presentationml/2006/main" mc:Ignorable="mv" mc:PreserveAttributes="mv:*" type="twoObj" preserve="1">
+<p:sldLayout xmlns:a="http://schemas.openxmlformats.org/drawingml/2006/main" xmlns:r="http://schemas.openxmlformats.org/officeDocument/2006/relationships" xmlns:p="http://schemas.openxmlformats.org/presentationml/2006/main" type="twoObj" preserve="1">
   <p:cSld name="Two Content">
     <p:spTree>
       <p:nvGrpSpPr>
@@ -1694,7 +1699,7 @@
             <a:fld id="{A4AAEA4C-2FC0-8F41-AA8D-DA93A16F9072}" type="datetimeFigureOut">
               <a:rPr lang="en-US" smtClean="0"/>
               <a:pPr/>
-              <a:t>10/20/11</a:t>
+              <a:t>22/10/2011</a:t>
             </a:fld>
             <a:endParaRPr lang="en-US"/>
           </a:p>
@@ -1752,7 +1757,7 @@
 </file>
 
 <file path=ppt/slideLayouts/slideLayout5.xml><?xml version="1.0" encoding="utf-8"?>
-<p:sldLayout xmlns:a="http://schemas.openxmlformats.org/drawingml/2006/main" xmlns:r="http://schemas.openxmlformats.org/officeDocument/2006/relationships" xmlns:mc="http://schemas.openxmlformats.org/markup-compatibility/2006" xmlns:mv="urn:schemas-microsoft-com:mac:vml" xmlns:p="http://schemas.openxmlformats.org/presentationml/2006/main" mc:Ignorable="mv" mc:PreserveAttributes="mv:*" type="twoTxTwoObj" preserve="1">
+<p:sldLayout xmlns:a="http://schemas.openxmlformats.org/drawingml/2006/main" xmlns:r="http://schemas.openxmlformats.org/officeDocument/2006/relationships" xmlns:p="http://schemas.openxmlformats.org/presentationml/2006/main" type="twoTxTwoObj" preserve="1">
   <p:cSld name="Comparison">
     <p:spTree>
       <p:nvGrpSpPr>
@@ -2113,7 +2118,7 @@
             <a:fld id="{A4AAEA4C-2FC0-8F41-AA8D-DA93A16F9072}" type="datetimeFigureOut">
               <a:rPr lang="en-US" smtClean="0"/>
               <a:pPr/>
-              <a:t>10/20/11</a:t>
+              <a:t>22/10/2011</a:t>
             </a:fld>
             <a:endParaRPr lang="en-US"/>
           </a:p>
@@ -2171,7 +2176,7 @@
 </file>
 
 <file path=ppt/slideLayouts/slideLayout6.xml><?xml version="1.0" encoding="utf-8"?>
-<p:sldLayout xmlns:a="http://schemas.openxmlformats.org/drawingml/2006/main" xmlns:r="http://schemas.openxmlformats.org/officeDocument/2006/relationships" xmlns:mc="http://schemas.openxmlformats.org/markup-compatibility/2006" xmlns:mv="urn:schemas-microsoft-com:mac:vml" xmlns:p="http://schemas.openxmlformats.org/presentationml/2006/main" mc:Ignorable="mv" mc:PreserveAttributes="mv:*" type="titleOnly" preserve="1">
+<p:sldLayout xmlns:a="http://schemas.openxmlformats.org/drawingml/2006/main" xmlns:r="http://schemas.openxmlformats.org/officeDocument/2006/relationships" xmlns:p="http://schemas.openxmlformats.org/presentationml/2006/main" type="titleOnly" preserve="1">
   <p:cSld name="Title Only">
     <p:spTree>
       <p:nvGrpSpPr>
@@ -2228,7 +2233,7 @@
             <a:fld id="{A4AAEA4C-2FC0-8F41-AA8D-DA93A16F9072}" type="datetimeFigureOut">
               <a:rPr lang="en-US" smtClean="0"/>
               <a:pPr/>
-              <a:t>10/20/11</a:t>
+              <a:t>22/10/2011</a:t>
             </a:fld>
             <a:endParaRPr lang="en-US"/>
           </a:p>
@@ -2286,7 +2291,7 @@
 </file>
 
 <file path=ppt/slideLayouts/slideLayout7.xml><?xml version="1.0" encoding="utf-8"?>
-<p:sldLayout xmlns:a="http://schemas.openxmlformats.org/drawingml/2006/main" xmlns:r="http://schemas.openxmlformats.org/officeDocument/2006/relationships" xmlns:mc="http://schemas.openxmlformats.org/markup-compatibility/2006" xmlns:mv="urn:schemas-microsoft-com:mac:vml" xmlns:p="http://schemas.openxmlformats.org/presentationml/2006/main" mc:Ignorable="mv" mc:PreserveAttributes="mv:*" type="blank" preserve="1">
+<p:sldLayout xmlns:a="http://schemas.openxmlformats.org/drawingml/2006/main" xmlns:r="http://schemas.openxmlformats.org/officeDocument/2006/relationships" xmlns:p="http://schemas.openxmlformats.org/presentationml/2006/main" type="blank" preserve="1">
   <p:cSld name="Blank">
     <p:spTree>
       <p:nvGrpSpPr>
@@ -2320,7 +2325,7 @@
             <a:fld id="{A4AAEA4C-2FC0-8F41-AA8D-DA93A16F9072}" type="datetimeFigureOut">
               <a:rPr lang="en-US" smtClean="0"/>
               <a:pPr/>
-              <a:t>10/20/11</a:t>
+              <a:t>22/10/2011</a:t>
             </a:fld>
             <a:endParaRPr lang="en-US"/>
           </a:p>
@@ -2378,7 +2383,7 @@
 </file>
 
 <file path=ppt/slideLayouts/slideLayout8.xml><?xml version="1.0" encoding="utf-8"?>
-<p:sldLayout xmlns:a="http://schemas.openxmlformats.org/drawingml/2006/main" xmlns:r="http://schemas.openxmlformats.org/officeDocument/2006/relationships" xmlns:mc="http://schemas.openxmlformats.org/markup-compatibility/2006" xmlns:mv="urn:schemas-microsoft-com:mac:vml" xmlns:p="http://schemas.openxmlformats.org/presentationml/2006/main" mc:Ignorable="mv" mc:PreserveAttributes="mv:*" type="objTx" preserve="1">
+<p:sldLayout xmlns:a="http://schemas.openxmlformats.org/drawingml/2006/main" xmlns:r="http://schemas.openxmlformats.org/officeDocument/2006/relationships" xmlns:p="http://schemas.openxmlformats.org/presentationml/2006/main" type="objTx" preserve="1">
   <p:cSld name="Content with Caption">
     <p:spTree>
       <p:nvGrpSpPr>
@@ -2594,7 +2599,7 @@
             <a:fld id="{A4AAEA4C-2FC0-8F41-AA8D-DA93A16F9072}" type="datetimeFigureOut">
               <a:rPr lang="en-US" smtClean="0"/>
               <a:pPr/>
-              <a:t>10/20/11</a:t>
+              <a:t>22/10/2011</a:t>
             </a:fld>
             <a:endParaRPr lang="en-US"/>
           </a:p>
@@ -2652,7 +2657,7 @@
 </file>
 
 <file path=ppt/slideLayouts/slideLayout9.xml><?xml version="1.0" encoding="utf-8"?>
-<p:sldLayout xmlns:a="http://schemas.openxmlformats.org/drawingml/2006/main" xmlns:r="http://schemas.openxmlformats.org/officeDocument/2006/relationships" xmlns:mc="http://schemas.openxmlformats.org/markup-compatibility/2006" xmlns:mv="urn:schemas-microsoft-com:mac:vml" xmlns:p="http://schemas.openxmlformats.org/presentationml/2006/main" mc:Ignorable="mv" mc:PreserveAttributes="mv:*" type="picTx" preserve="1">
+<p:sldLayout xmlns:a="http://schemas.openxmlformats.org/drawingml/2006/main" xmlns:r="http://schemas.openxmlformats.org/officeDocument/2006/relationships" xmlns:p="http://schemas.openxmlformats.org/presentationml/2006/main" type="picTx" preserve="1">
   <p:cSld name="Picture with Caption">
     <p:spTree>
       <p:nvGrpSpPr>
@@ -2844,7 +2849,7 @@
             <a:fld id="{A4AAEA4C-2FC0-8F41-AA8D-DA93A16F9072}" type="datetimeFigureOut">
               <a:rPr lang="en-US" smtClean="0"/>
               <a:pPr/>
-              <a:t>10/20/11</a:t>
+              <a:t>22/10/2011</a:t>
             </a:fld>
             <a:endParaRPr lang="en-US"/>
           </a:p>
@@ -2902,7 +2907,7 @@
 </file>
 
 <file path=ppt/slideMasters/slideMaster1.xml><?xml version="1.0" encoding="utf-8"?>
-<p:sldMaster xmlns:a="http://schemas.openxmlformats.org/drawingml/2006/main" xmlns:r="http://schemas.openxmlformats.org/officeDocument/2006/relationships" xmlns:mc="http://schemas.openxmlformats.org/markup-compatibility/2006" xmlns:mv="urn:schemas-microsoft-com:mac:vml" xmlns:p="http://schemas.openxmlformats.org/presentationml/2006/main" mc:Ignorable="mv" mc:PreserveAttributes="mv:*">
+<p:sldMaster xmlns:a="http://schemas.openxmlformats.org/drawingml/2006/main" xmlns:r="http://schemas.openxmlformats.org/officeDocument/2006/relationships" xmlns:p="http://schemas.openxmlformats.org/presentationml/2006/main">
   <p:cSld>
     <p:bg>
       <p:bgRef idx="1001">
@@ -3114,7 +3119,7 @@
             <a:fld id="{A4AAEA4C-2FC0-8F41-AA8D-DA93A16F9072}" type="datetimeFigureOut">
               <a:rPr lang="en-US" smtClean="0"/>
               <a:pPr/>
-              <a:t>10/20/11</a:t>
+              <a:t>22/10/2011</a:t>
             </a:fld>
             <a:endParaRPr lang="en-US"/>
           </a:p>
@@ -3469,7 +3474,7 @@
 </file>
 
 <file path=ppt/slides/slide1.xml><?xml version="1.0" encoding="utf-8"?>
-<p:sld xmlns:a="http://schemas.openxmlformats.org/drawingml/2006/main" xmlns:r="http://schemas.openxmlformats.org/officeDocument/2006/relationships" xmlns:mc="http://schemas.openxmlformats.org/markup-compatibility/2006" xmlns:mv="urn:schemas-microsoft-com:mac:vml" xmlns:p="http://schemas.openxmlformats.org/presentationml/2006/main" mc:Ignorable="mv" mc:PreserveAttributes="mv:*">
+<p:sld xmlns:a="http://schemas.openxmlformats.org/drawingml/2006/main" xmlns:r="http://schemas.openxmlformats.org/officeDocument/2006/relationships" xmlns:p="http://schemas.openxmlformats.org/presentationml/2006/main">
   <p:cSld>
     <p:spTree>
       <p:nvGrpSpPr>
@@ -3639,7 +3644,7 @@
   <p:timing>
     <p:tnLst>
       <p:par>
-        <p:cTn id="1" dur="indefinite" restart="never" nodeType="tmRoot"/>
+        <p:cTn xmlns:p14="http://schemas.microsoft.com/office/powerpoint/2010/main" id="1" dur="indefinite" restart="never" nodeType="tmRoot"/>
       </p:par>
     </p:tnLst>
   </p:timing>
@@ -3647,7 +3652,7 @@
 </file>
 
 <file path=ppt/slides/slide10.xml><?xml version="1.0" encoding="utf-8"?>
-<p:sld xmlns:a="http://schemas.openxmlformats.org/drawingml/2006/main" xmlns:r="http://schemas.openxmlformats.org/officeDocument/2006/relationships" xmlns:mc="http://schemas.openxmlformats.org/markup-compatibility/2006" xmlns:mv="urn:schemas-microsoft-com:mac:vml" xmlns:p="http://schemas.openxmlformats.org/presentationml/2006/main" mc:Ignorable="mv" mc:PreserveAttributes="mv:*">
+<p:sld xmlns:a="http://schemas.openxmlformats.org/drawingml/2006/main" xmlns:r="http://schemas.openxmlformats.org/officeDocument/2006/relationships" xmlns:p="http://schemas.openxmlformats.org/presentationml/2006/main">
   <p:cSld>
     <p:spTree>
       <p:nvGrpSpPr>
@@ -3728,7 +3733,6 @@
               <a:rPr lang="en-US" dirty="0" smtClean="0"/>
               <a:t>too low coverage</a:t>
             </a:r>
-            <a:endParaRPr lang="en-US" dirty="0" smtClean="0"/>
           </a:p>
         </p:txBody>
       </p:sp>
@@ -3740,7 +3744,7 @@
   <p:timing>
     <p:tnLst>
       <p:par>
-        <p:cTn id="1" dur="indefinite" restart="never" nodeType="tmRoot"/>
+        <p:cTn xmlns:p14="http://schemas.microsoft.com/office/powerpoint/2010/main" id="1" dur="indefinite" restart="never" nodeType="tmRoot"/>
       </p:par>
     </p:tnLst>
   </p:timing>
@@ -3748,7 +3752,7 @@
 </file>
 
 <file path=ppt/slides/slide11.xml><?xml version="1.0" encoding="utf-8"?>
-<p:sld xmlns:a="http://schemas.openxmlformats.org/drawingml/2006/main" xmlns:r="http://schemas.openxmlformats.org/officeDocument/2006/relationships" xmlns:mc="http://schemas.openxmlformats.org/markup-compatibility/2006" xmlns:mv="urn:schemas-microsoft-com:mac:vml" xmlns:p="http://schemas.openxmlformats.org/presentationml/2006/main" mc:Ignorable="mv" mc:PreserveAttributes="mv:*">
+<p:sld xmlns:a="http://schemas.openxmlformats.org/drawingml/2006/main" xmlns:r="http://schemas.openxmlformats.org/officeDocument/2006/relationships" xmlns:p="http://schemas.openxmlformats.org/presentationml/2006/main">
   <p:cSld>
     <p:spTree>
       <p:nvGrpSpPr>
@@ -3869,7 +3873,7 @@
   <p:timing>
     <p:tnLst>
       <p:par>
-        <p:cTn id="1" dur="indefinite" restart="never" nodeType="tmRoot"/>
+        <p:cTn xmlns:p14="http://schemas.microsoft.com/office/powerpoint/2010/main" id="1" dur="indefinite" restart="never" nodeType="tmRoot"/>
       </p:par>
     </p:tnLst>
   </p:timing>
@@ -3877,7 +3881,7 @@
 </file>
 
 <file path=ppt/slides/slide12.xml><?xml version="1.0" encoding="utf-8"?>
-<p:sld xmlns:a="http://schemas.openxmlformats.org/drawingml/2006/main" xmlns:r="http://schemas.openxmlformats.org/officeDocument/2006/relationships" xmlns:mc="http://schemas.openxmlformats.org/markup-compatibility/2006" xmlns:mv="urn:schemas-microsoft-com:mac:vml" xmlns:p="http://schemas.openxmlformats.org/presentationml/2006/main" mc:Ignorable="mv" mc:PreserveAttributes="mv:*">
+<p:sld xmlns:a="http://schemas.openxmlformats.org/drawingml/2006/main" xmlns:r="http://schemas.openxmlformats.org/officeDocument/2006/relationships" xmlns:p="http://schemas.openxmlformats.org/presentationml/2006/main">
   <p:cSld>
     <p:spTree>
       <p:nvGrpSpPr>
@@ -4037,7 +4041,7 @@
   <p:timing>
     <p:tnLst>
       <p:par>
-        <p:cTn id="1" dur="indefinite" restart="never" nodeType="tmRoot"/>
+        <p:cTn xmlns:p14="http://schemas.microsoft.com/office/powerpoint/2010/main" id="1" dur="indefinite" restart="never" nodeType="tmRoot"/>
       </p:par>
     </p:tnLst>
   </p:timing>
@@ -4045,7 +4049,7 @@
 </file>
 
 <file path=ppt/slides/slide13.xml><?xml version="1.0" encoding="utf-8"?>
-<p:sld xmlns:a="http://schemas.openxmlformats.org/drawingml/2006/main" xmlns:r="http://schemas.openxmlformats.org/officeDocument/2006/relationships" xmlns:mc="http://schemas.openxmlformats.org/markup-compatibility/2006" xmlns:mv="urn:schemas-microsoft-com:mac:vml" xmlns:p="http://schemas.openxmlformats.org/presentationml/2006/main" mc:Ignorable="mv" mc:PreserveAttributes="mv:*">
+<p:sld xmlns:a="http://schemas.openxmlformats.org/drawingml/2006/main" xmlns:r="http://schemas.openxmlformats.org/officeDocument/2006/relationships" xmlns:p="http://schemas.openxmlformats.org/presentationml/2006/main">
   <p:cSld>
     <p:spTree>
       <p:nvGrpSpPr>
@@ -4312,7 +4316,7 @@
   <p:timing>
     <p:tnLst>
       <p:par>
-        <p:cTn id="1" dur="indefinite" restart="never" nodeType="tmRoot"/>
+        <p:cTn xmlns:p14="http://schemas.microsoft.com/office/powerpoint/2010/main" id="1" dur="indefinite" restart="never" nodeType="tmRoot"/>
       </p:par>
     </p:tnLst>
   </p:timing>
@@ -4320,7 +4324,7 @@
 </file>
 
 <file path=ppt/slides/slide14.xml><?xml version="1.0" encoding="utf-8"?>
-<p:sld xmlns:a="http://schemas.openxmlformats.org/drawingml/2006/main" xmlns:r="http://schemas.openxmlformats.org/officeDocument/2006/relationships" xmlns:mc="http://schemas.openxmlformats.org/markup-compatibility/2006" xmlns:mv="urn:schemas-microsoft-com:mac:vml" xmlns:p="http://schemas.openxmlformats.org/presentationml/2006/main" mc:Ignorable="mv" mc:PreserveAttributes="mv:*">
+<p:sld xmlns:a="http://schemas.openxmlformats.org/drawingml/2006/main" xmlns:r="http://schemas.openxmlformats.org/officeDocument/2006/relationships" xmlns:p="http://schemas.openxmlformats.org/presentationml/2006/main">
   <p:cSld>
     <p:spTree>
       <p:nvGrpSpPr>
@@ -4842,7 +4846,7 @@
   <p:timing>
     <p:tnLst>
       <p:par>
-        <p:cTn id="1" dur="indefinite" restart="never" nodeType="tmRoot">
+        <p:cTn xmlns:p14="http://schemas.microsoft.com/office/powerpoint/2010/main" id="1" dur="indefinite" restart="never" nodeType="tmRoot">
           <p:childTnLst>
             <p:seq concurrent="1" nextAc="seek">
               <p:cTn id="2" dur="indefinite" nodeType="mainSeq">
@@ -4963,7 +4967,7 @@
 </file>
 
 <file path=ppt/slides/slide15.xml><?xml version="1.0" encoding="utf-8"?>
-<p:sld xmlns:a="http://schemas.openxmlformats.org/drawingml/2006/main" xmlns:r="http://schemas.openxmlformats.org/officeDocument/2006/relationships" xmlns:mc="http://schemas.openxmlformats.org/markup-compatibility/2006" xmlns:mv="urn:schemas-microsoft-com:mac:vml" xmlns:p="http://schemas.openxmlformats.org/presentationml/2006/main" mc:Ignorable="mv" mc:PreserveAttributes="mv:*">
+<p:sld xmlns:a="http://schemas.openxmlformats.org/drawingml/2006/main" xmlns:r="http://schemas.openxmlformats.org/officeDocument/2006/relationships" xmlns:p="http://schemas.openxmlformats.org/presentationml/2006/main">
   <p:cSld>
     <p:spTree>
       <p:nvGrpSpPr>
@@ -5051,7 +5055,7 @@
   <p:timing>
     <p:tnLst>
       <p:par>
-        <p:cTn id="1" dur="indefinite" restart="never" nodeType="tmRoot"/>
+        <p:cTn xmlns:p14="http://schemas.microsoft.com/office/powerpoint/2010/main" id="1" dur="indefinite" restart="never" nodeType="tmRoot"/>
       </p:par>
     </p:tnLst>
   </p:timing>
@@ -5059,7 +5063,7 @@
 </file>
 
 <file path=ppt/slides/slide2.xml><?xml version="1.0" encoding="utf-8"?>
-<p:sld xmlns:a="http://schemas.openxmlformats.org/drawingml/2006/main" xmlns:r="http://schemas.openxmlformats.org/officeDocument/2006/relationships" xmlns:mc="http://schemas.openxmlformats.org/markup-compatibility/2006" xmlns:mv="urn:schemas-microsoft-com:mac:vml" xmlns:p="http://schemas.openxmlformats.org/presentationml/2006/main" mc:Ignorable="mv" mc:PreserveAttributes="mv:*">
+<p:sld xmlns:a="http://schemas.openxmlformats.org/drawingml/2006/main" xmlns:r="http://schemas.openxmlformats.org/officeDocument/2006/relationships" xmlns:p="http://schemas.openxmlformats.org/presentationml/2006/main">
   <p:cSld>
     <p:spTree>
       <p:nvGrpSpPr>
@@ -5092,7 +5096,11 @@
           <a:p>
             <a:r>
               <a:rPr lang="en-US" dirty="0" smtClean="0"/>
-              <a:t>Learning objectives</a:t>
+              <a:t>Learning </a:t>
+            </a:r>
+            <a:r>
+              <a:rPr lang="en-US" dirty="0" smtClean="0"/>
+              <a:t>Points</a:t>
             </a:r>
             <a:endParaRPr lang="en-US" dirty="0"/>
           </a:p>
@@ -5115,19 +5123,22 @@
           <a:p>
             <a:r>
               <a:rPr lang="en-US" dirty="0" smtClean="0"/>
-              <a:t>be able to start a newbler assembly</a:t>
-            </a:r>
-          </a:p>
-          <a:p>
+              <a:t>How to </a:t>
+            </a:r>
             <a:r>
               <a:rPr lang="en-US" dirty="0" smtClean="0"/>
-              <a:t>basic understanding of </a:t>
-            </a:r>
+              <a:t>start a newbler assembly</a:t>
+            </a:r>
+          </a:p>
+          <a:p>
             <a:r>
               <a:rPr lang="en-US" dirty="0" smtClean="0"/>
-              <a:t>parameters</a:t>
-            </a:r>
-            <a:endParaRPr lang="en-US" dirty="0" smtClean="0"/>
+              <a:t>Basic </a:t>
+            </a:r>
+            <a:r>
+              <a:rPr lang="en-US" dirty="0" smtClean="0"/>
+              <a:t>understanding of parameters</a:t>
+            </a:r>
           </a:p>
           <a:p>
             <a:endParaRPr lang="en-US" dirty="0" smtClean="0"/>
@@ -5146,7 +5157,7 @@
 </file>
 
 <file path=ppt/slides/slide3.xml><?xml version="1.0" encoding="utf-8"?>
-<p:sld xmlns:a="http://schemas.openxmlformats.org/drawingml/2006/main" xmlns:r="http://schemas.openxmlformats.org/officeDocument/2006/relationships" xmlns:mc="http://schemas.openxmlformats.org/markup-compatibility/2006" xmlns:mv="urn:schemas-microsoft-com:mac:vml" xmlns:p="http://schemas.openxmlformats.org/presentationml/2006/main" mc:Ignorable="mv" mc:PreserveAttributes="mv:*">
+<p:sld xmlns:a="http://schemas.openxmlformats.org/drawingml/2006/main" xmlns:r="http://schemas.openxmlformats.org/officeDocument/2006/relationships" xmlns:p="http://schemas.openxmlformats.org/presentationml/2006/main">
   <p:cSld>
     <p:spTree>
       <p:nvGrpSpPr>
@@ -5276,7 +5287,7 @@
 </file>
 
 <file path=ppt/slides/slide4.xml><?xml version="1.0" encoding="utf-8"?>
-<p:sld xmlns:a="http://schemas.openxmlformats.org/drawingml/2006/main" xmlns:r="http://schemas.openxmlformats.org/officeDocument/2006/relationships" xmlns:mc="http://schemas.openxmlformats.org/markup-compatibility/2006" xmlns:mv="urn:schemas-microsoft-com:mac:vml" xmlns:p="http://schemas.openxmlformats.org/presentationml/2006/main" mc:Ignorable="mv" mc:PreserveAttributes="mv:*">
+<p:sld xmlns:a="http://schemas.openxmlformats.org/drawingml/2006/main" xmlns:r="http://schemas.openxmlformats.org/officeDocument/2006/relationships" xmlns:p="http://schemas.openxmlformats.org/presentationml/2006/main">
   <p:cSld>
     <p:spTree>
       <p:nvGrpSpPr>
@@ -5328,7 +5339,7 @@
         <p:spPr/>
         <p:txBody>
           <a:bodyPr>
-            <a:normAutofit lnSpcReduction="10000"/>
+            <a:normAutofit/>
           </a:bodyPr>
           <a:lstStyle/>
           <a:p>
@@ -5403,7 +5414,7 @@
 </file>
 
 <file path=ppt/slides/slide5.xml><?xml version="1.0" encoding="utf-8"?>
-<p:sld xmlns:a="http://schemas.openxmlformats.org/drawingml/2006/main" xmlns:r="http://schemas.openxmlformats.org/officeDocument/2006/relationships" xmlns:mc="http://schemas.openxmlformats.org/markup-compatibility/2006" xmlns:mv="urn:schemas-microsoft-com:mac:vml" xmlns:p="http://schemas.openxmlformats.org/presentationml/2006/main" mc:Ignorable="mv" mc:PreserveAttributes="mv:*">
+<p:sld xmlns:a="http://schemas.openxmlformats.org/drawingml/2006/main" xmlns:r="http://schemas.openxmlformats.org/officeDocument/2006/relationships" xmlns:p="http://schemas.openxmlformats.org/presentationml/2006/main">
   <p:cSld>
     <p:spTree>
       <p:nvGrpSpPr>
@@ -5494,13 +5505,7 @@
               <a:rPr lang="en-US" dirty="0" smtClean="0">
                 <a:sym typeface="Wingdings"/>
               </a:rPr>
-              <a:t>while we </a:t>
-            </a:r>
-            <a:r>
-              <a:rPr lang="en-US" dirty="0" smtClean="0">
-                <a:sym typeface="Wingdings"/>
-              </a:rPr>
-              <a:t>wait:</a:t>
+              <a:t>while we wait:</a:t>
             </a:r>
           </a:p>
           <a:p>
@@ -5524,7 +5529,7 @@
 </file>
 
 <file path=ppt/slides/slide6.xml><?xml version="1.0" encoding="utf-8"?>
-<p:sld xmlns:a="http://schemas.openxmlformats.org/drawingml/2006/main" xmlns:r="http://schemas.openxmlformats.org/officeDocument/2006/relationships" xmlns:mc="http://schemas.openxmlformats.org/markup-compatibility/2006" xmlns:mv="urn:schemas-microsoft-com:mac:vml" xmlns:p="http://schemas.openxmlformats.org/presentationml/2006/main" mc:Ignorable="mv" mc:PreserveAttributes="mv:*">
+<p:sld xmlns:a="http://schemas.openxmlformats.org/drawingml/2006/main" xmlns:r="http://schemas.openxmlformats.org/officeDocument/2006/relationships" xmlns:p="http://schemas.openxmlformats.org/presentationml/2006/main">
   <p:cSld>
     <p:spTree>
       <p:nvGrpSpPr>
@@ -5795,26 +5800,13 @@
           </p:cNvPicPr>
           <p:nvPr/>
         </p:nvPicPr>
-        <mc:AlternateContent>
-          <mc:Choice xmlns:ma="http://schemas.microsoft.com/office/mac/drawingml/2008/main" Requires="ma">
-            <p:blipFill>
-              <a:blip r:embed="rId2"/>
-              <a:srcRect l="2208" t="5547" r="3559" b="17581"/>
-              <a:stretch>
-                <a:fillRect/>
-              </a:stretch>
-            </p:blipFill>
-          </mc:Choice>
-          <mc:Fallback>
-            <p:blipFill>
-              <a:blip r:embed="rId3"/>
-              <a:srcRect l="2208" t="5547" r="3559" b="17581"/>
-              <a:stretch>
-                <a:fillRect/>
-              </a:stretch>
-            </p:blipFill>
-          </mc:Fallback>
-        </mc:AlternateContent>
+        <p:blipFill>
+          <a:blip r:embed="rId2"/>
+          <a:srcRect l="2208" t="5547" r="3559" b="17581"/>
+          <a:stretch>
+            <a:fillRect/>
+          </a:stretch>
+        </p:blipFill>
         <p:spPr>
           <a:xfrm>
             <a:off x="2706414" y="4440621"/>
@@ -5833,7 +5825,7 @@
   <p:timing>
     <p:tnLst>
       <p:par>
-        <p:cTn id="1" dur="indefinite" restart="never" nodeType="tmRoot"/>
+        <p:cTn xmlns:p14="http://schemas.microsoft.com/office/powerpoint/2010/main" id="1" dur="indefinite" restart="never" nodeType="tmRoot"/>
       </p:par>
     </p:tnLst>
   </p:timing>
@@ -5841,7 +5833,7 @@
 </file>
 
 <file path=ppt/slides/slide7.xml><?xml version="1.0" encoding="utf-8"?>
-<p:sld xmlns:a="http://schemas.openxmlformats.org/drawingml/2006/main" xmlns:r="http://schemas.openxmlformats.org/officeDocument/2006/relationships" xmlns:mc="http://schemas.openxmlformats.org/markup-compatibility/2006" xmlns:mv="urn:schemas-microsoft-com:mac:vml" xmlns:p="http://schemas.openxmlformats.org/presentationml/2006/main" mc:Ignorable="mv" mc:PreserveAttributes="mv:*">
+<p:sld xmlns:a="http://schemas.openxmlformats.org/drawingml/2006/main" xmlns:r="http://schemas.openxmlformats.org/officeDocument/2006/relationships" xmlns:p="http://schemas.openxmlformats.org/presentationml/2006/main">
   <p:cSld>
     <p:spTree>
       <p:nvGrpSpPr>
@@ -5874,11 +5866,7 @@
           <a:p>
             <a:r>
               <a:rPr lang="en-US" dirty="0" smtClean="0"/>
-              <a:t>Read </a:t>
-            </a:r>
-            <a:r>
-              <a:rPr lang="en-US" dirty="0" smtClean="0"/>
-              <a:t>alignment</a:t>
+              <a:t>Read alignment</a:t>
             </a:r>
             <a:endParaRPr lang="en-US" dirty="0"/>
           </a:p>
@@ -5968,7 +5956,7 @@
   <p:timing>
     <p:tnLst>
       <p:par>
-        <p:cTn id="1" dur="indefinite" restart="never" nodeType="tmRoot"/>
+        <p:cTn xmlns:p14="http://schemas.microsoft.com/office/powerpoint/2010/main" id="1" dur="indefinite" restart="never" nodeType="tmRoot"/>
       </p:par>
     </p:tnLst>
   </p:timing>
@@ -5976,7 +5964,7 @@
 </file>
 
 <file path=ppt/slides/slide8.xml><?xml version="1.0" encoding="utf-8"?>
-<p:sld xmlns:a="http://schemas.openxmlformats.org/drawingml/2006/main" xmlns:r="http://schemas.openxmlformats.org/officeDocument/2006/relationships" xmlns:mc="http://schemas.openxmlformats.org/markup-compatibility/2006" xmlns:mv="urn:schemas-microsoft-com:mac:vml" xmlns:p="http://schemas.openxmlformats.org/presentationml/2006/main" mc:Ignorable="mv" mc:PreserveAttributes="mv:*">
+<p:sld xmlns:a="http://schemas.openxmlformats.org/drawingml/2006/main" xmlns:r="http://schemas.openxmlformats.org/officeDocument/2006/relationships" xmlns:p="http://schemas.openxmlformats.org/presentationml/2006/main">
   <p:cSld>
     <p:spTree>
       <p:nvGrpSpPr>
@@ -6083,7 +6071,7 @@
   <p:timing>
     <p:tnLst>
       <p:par>
-        <p:cTn id="1" dur="indefinite" restart="never" nodeType="tmRoot"/>
+        <p:cTn xmlns:p14="http://schemas.microsoft.com/office/powerpoint/2010/main" id="1" dur="indefinite" restart="never" nodeType="tmRoot"/>
       </p:par>
     </p:tnLst>
   </p:timing>
@@ -6091,7 +6079,7 @@
 </file>
 
 <file path=ppt/slides/slide9.xml><?xml version="1.0" encoding="utf-8"?>
-<p:sld xmlns:a="http://schemas.openxmlformats.org/drawingml/2006/main" xmlns:r="http://schemas.openxmlformats.org/officeDocument/2006/relationships" xmlns:mc="http://schemas.openxmlformats.org/markup-compatibility/2006" xmlns:mv="urn:schemas-microsoft-com:mac:vml" xmlns:p="http://schemas.openxmlformats.org/presentationml/2006/main" mc:Ignorable="mv" mc:PreserveAttributes="mv:*">
+<p:sld xmlns:a="http://schemas.openxmlformats.org/drawingml/2006/main" xmlns:r="http://schemas.openxmlformats.org/officeDocument/2006/relationships" xmlns:p="http://schemas.openxmlformats.org/presentationml/2006/main">
   <p:cSld>
     <p:spTree>
       <p:nvGrpSpPr>
@@ -6255,7 +6243,7 @@
   <p:timing>
     <p:tnLst>
       <p:par>
-        <p:cTn id="1" dur="indefinite" restart="never" nodeType="tmRoot"/>
+        <p:cTn xmlns:p14="http://schemas.microsoft.com/office/powerpoint/2010/main" id="1" dur="indefinite" restart="never" nodeType="tmRoot"/>
       </p:par>
     </p:tnLst>
   </p:timing>

--- a/presentations/Practical_2_de_novo_assembly_of_454_reads_with_Newbler.pptx
+++ b/presentations/Practical_2_de_novo_assembly_of_454_reads_with_Newbler.pptx
@@ -1,6 +1,6 @@
 
 <file path=ppt/presentation.xml><?xml version="1.0" encoding="utf-8"?>
-<p:presentation xmlns:a="http://schemas.openxmlformats.org/drawingml/2006/main" xmlns:r="http://schemas.openxmlformats.org/officeDocument/2006/relationships" xmlns:p="http://schemas.openxmlformats.org/presentationml/2006/main" saveSubsetFonts="1" autoCompressPictures="0">
+<p:presentation xmlns:a="http://schemas.openxmlformats.org/drawingml/2006/main" xmlns:r="http://schemas.openxmlformats.org/officeDocument/2006/relationships" xmlns:mc="http://schemas.openxmlformats.org/markup-compatibility/2006" xmlns:mv="urn:schemas-microsoft-com:mac:vml" xmlns:p="http://schemas.openxmlformats.org/presentationml/2006/main" mc:Ignorable="mv" mc:PreserveAttributes="mv:*" saveSubsetFonts="1" autoCompressPictures="0">
   <p:sldMasterIdLst>
     <p:sldMasterId id="2147483648" r:id="rId1"/>
   </p:sldMasterIdLst>
@@ -125,7 +125,7 @@
 </file>
 
 <file path=ppt/notesMasters/notesMaster1.xml><?xml version="1.0" encoding="utf-8"?>
-<p:notesMaster xmlns:a="http://schemas.openxmlformats.org/drawingml/2006/main" xmlns:r="http://schemas.openxmlformats.org/officeDocument/2006/relationships" xmlns:p="http://schemas.openxmlformats.org/presentationml/2006/main">
+<p:notesMaster xmlns:a="http://schemas.openxmlformats.org/drawingml/2006/main" xmlns:r="http://schemas.openxmlformats.org/officeDocument/2006/relationships" xmlns:mc="http://schemas.openxmlformats.org/markup-compatibility/2006" xmlns:mv="urn:schemas-microsoft-com:mac:vml" xmlns:p="http://schemas.openxmlformats.org/presentationml/2006/main" mc:Ignorable="mv" mc:PreserveAttributes="mv:*">
   <p:cSld>
     <p:bg>
       <p:bgRef idx="1001">
@@ -207,7 +207,7 @@
             <a:fld id="{7B017CDE-E91F-D348-A70E-2B7B84391936}" type="datetimeFigureOut">
               <a:rPr lang="en-US" smtClean="0"/>
               <a:pPr/>
-              <a:t>22/10/2011</a:t>
+              <a:t>10/24/11</a:t>
             </a:fld>
             <a:endParaRPr lang="en-US"/>
           </a:p>
@@ -378,7 +378,7 @@
     </p:spTree>
     <p:extLst>
       <p:ext uri="{BB962C8B-B14F-4D97-AF65-F5344CB8AC3E}">
-        <p14:creationId xmlns:p14="http://schemas.microsoft.com/office/powerpoint/2010/main" val="3945245888"/>
+        <p14:creationId xmlns:p14="http://schemas.microsoft.com/office/powerpoint/2010/main" xmlns:p="http://schemas.openxmlformats.org/presentationml/2006/main" xmlns:r="http://schemas.openxmlformats.org/officeDocument/2006/relationships" xmlns:a="http://schemas.openxmlformats.org/drawingml/2006/main" xmlns="" val="3945245888"/>
       </p:ext>
     </p:extLst>
   </p:cSld>
@@ -479,7 +479,7 @@
 </file>
 
 <file path=ppt/slideLayouts/slideLayout1.xml><?xml version="1.0" encoding="utf-8"?>
-<p:sldLayout xmlns:a="http://schemas.openxmlformats.org/drawingml/2006/main" xmlns:r="http://schemas.openxmlformats.org/officeDocument/2006/relationships" xmlns:p="http://schemas.openxmlformats.org/presentationml/2006/main" type="title" preserve="1">
+<p:sldLayout xmlns:a="http://schemas.openxmlformats.org/drawingml/2006/main" xmlns:r="http://schemas.openxmlformats.org/officeDocument/2006/relationships" xmlns:mc="http://schemas.openxmlformats.org/markup-compatibility/2006" xmlns:mv="urn:schemas-microsoft-com:mac:vml" xmlns:p="http://schemas.openxmlformats.org/presentationml/2006/main" mc:Ignorable="mv" mc:PreserveAttributes="mv:*" type="title" preserve="1">
   <p:cSld name="Title Slide">
     <p:spTree>
       <p:nvGrpSpPr>
@@ -660,7 +660,7 @@
             <a:fld id="{A4AAEA4C-2FC0-8F41-AA8D-DA93A16F9072}" type="datetimeFigureOut">
               <a:rPr lang="en-US" smtClean="0"/>
               <a:pPr/>
-              <a:t>22/10/2011</a:t>
+              <a:t>10/24/11</a:t>
             </a:fld>
             <a:endParaRPr lang="en-US"/>
           </a:p>
@@ -718,7 +718,7 @@
 </file>
 
 <file path=ppt/slideLayouts/slideLayout10.xml><?xml version="1.0" encoding="utf-8"?>
-<p:sldLayout xmlns:a="http://schemas.openxmlformats.org/drawingml/2006/main" xmlns:r="http://schemas.openxmlformats.org/officeDocument/2006/relationships" xmlns:p="http://schemas.openxmlformats.org/presentationml/2006/main" type="vertTx" preserve="1">
+<p:sldLayout xmlns:a="http://schemas.openxmlformats.org/drawingml/2006/main" xmlns:r="http://schemas.openxmlformats.org/officeDocument/2006/relationships" xmlns:mc="http://schemas.openxmlformats.org/markup-compatibility/2006" xmlns:mv="urn:schemas-microsoft-com:mac:vml" xmlns:p="http://schemas.openxmlformats.org/presentationml/2006/main" mc:Ignorable="mv" mc:PreserveAttributes="mv:*" type="vertTx" preserve="1">
   <p:cSld name="Title and Vertical Text">
     <p:spTree>
       <p:nvGrpSpPr>
@@ -827,7 +827,7 @@
             <a:fld id="{A4AAEA4C-2FC0-8F41-AA8D-DA93A16F9072}" type="datetimeFigureOut">
               <a:rPr lang="en-US" smtClean="0"/>
               <a:pPr/>
-              <a:t>22/10/2011</a:t>
+              <a:t>10/24/11</a:t>
             </a:fld>
             <a:endParaRPr lang="en-US"/>
           </a:p>
@@ -885,7 +885,7 @@
 </file>
 
 <file path=ppt/slideLayouts/slideLayout11.xml><?xml version="1.0" encoding="utf-8"?>
-<p:sldLayout xmlns:a="http://schemas.openxmlformats.org/drawingml/2006/main" xmlns:r="http://schemas.openxmlformats.org/officeDocument/2006/relationships" xmlns:p="http://schemas.openxmlformats.org/presentationml/2006/main" type="vertTitleAndTx" preserve="1">
+<p:sldLayout xmlns:a="http://schemas.openxmlformats.org/drawingml/2006/main" xmlns:r="http://schemas.openxmlformats.org/officeDocument/2006/relationships" xmlns:mc="http://schemas.openxmlformats.org/markup-compatibility/2006" xmlns:mv="urn:schemas-microsoft-com:mac:vml" xmlns:p="http://schemas.openxmlformats.org/presentationml/2006/main" mc:Ignorable="mv" mc:PreserveAttributes="mv:*" type="vertTitleAndTx" preserve="1">
   <p:cSld name="Vertical Title and Text">
     <p:spTree>
       <p:nvGrpSpPr>
@@ -1004,7 +1004,7 @@
             <a:fld id="{A4AAEA4C-2FC0-8F41-AA8D-DA93A16F9072}" type="datetimeFigureOut">
               <a:rPr lang="en-US" smtClean="0"/>
               <a:pPr/>
-              <a:t>22/10/2011</a:t>
+              <a:t>10/24/11</a:t>
             </a:fld>
             <a:endParaRPr lang="en-US"/>
           </a:p>
@@ -1062,7 +1062,7 @@
 </file>
 
 <file path=ppt/slideLayouts/slideLayout2.xml><?xml version="1.0" encoding="utf-8"?>
-<p:sldLayout xmlns:a="http://schemas.openxmlformats.org/drawingml/2006/main" xmlns:r="http://schemas.openxmlformats.org/officeDocument/2006/relationships" xmlns:p="http://schemas.openxmlformats.org/presentationml/2006/main" type="obj" preserve="1">
+<p:sldLayout xmlns:a="http://schemas.openxmlformats.org/drawingml/2006/main" xmlns:r="http://schemas.openxmlformats.org/officeDocument/2006/relationships" xmlns:mc="http://schemas.openxmlformats.org/markup-compatibility/2006" xmlns:mv="urn:schemas-microsoft-com:mac:vml" xmlns:p="http://schemas.openxmlformats.org/presentationml/2006/main" mc:Ignorable="mv" mc:PreserveAttributes="mv:*" type="obj" preserve="1">
   <p:cSld name="Title and Content">
     <p:spTree>
       <p:nvGrpSpPr>
@@ -1171,7 +1171,7 @@
             <a:fld id="{A4AAEA4C-2FC0-8F41-AA8D-DA93A16F9072}" type="datetimeFigureOut">
               <a:rPr lang="en-US" smtClean="0"/>
               <a:pPr/>
-              <a:t>22/10/2011</a:t>
+              <a:t>10/24/11</a:t>
             </a:fld>
             <a:endParaRPr lang="en-US"/>
           </a:p>
@@ -1229,7 +1229,7 @@
 </file>
 
 <file path=ppt/slideLayouts/slideLayout3.xml><?xml version="1.0" encoding="utf-8"?>
-<p:sldLayout xmlns:a="http://schemas.openxmlformats.org/drawingml/2006/main" xmlns:r="http://schemas.openxmlformats.org/officeDocument/2006/relationships" xmlns:p="http://schemas.openxmlformats.org/presentationml/2006/main" type="secHead" preserve="1">
+<p:sldLayout xmlns:a="http://schemas.openxmlformats.org/drawingml/2006/main" xmlns:r="http://schemas.openxmlformats.org/officeDocument/2006/relationships" xmlns:mc="http://schemas.openxmlformats.org/markup-compatibility/2006" xmlns:mv="urn:schemas-microsoft-com:mac:vml" xmlns:p="http://schemas.openxmlformats.org/presentationml/2006/main" mc:Ignorable="mv" mc:PreserveAttributes="mv:*" type="secHead" preserve="1">
   <p:cSld name="Section Header">
     <p:spTree>
       <p:nvGrpSpPr>
@@ -1414,7 +1414,7 @@
             <a:fld id="{A4AAEA4C-2FC0-8F41-AA8D-DA93A16F9072}" type="datetimeFigureOut">
               <a:rPr lang="en-US" smtClean="0"/>
               <a:pPr/>
-              <a:t>22/10/2011</a:t>
+              <a:t>10/24/11</a:t>
             </a:fld>
             <a:endParaRPr lang="en-US"/>
           </a:p>
@@ -1472,7 +1472,7 @@
 </file>
 
 <file path=ppt/slideLayouts/slideLayout4.xml><?xml version="1.0" encoding="utf-8"?>
-<p:sldLayout xmlns:a="http://schemas.openxmlformats.org/drawingml/2006/main" xmlns:r="http://schemas.openxmlformats.org/officeDocument/2006/relationships" xmlns:p="http://schemas.openxmlformats.org/presentationml/2006/main" type="twoObj" preserve="1">
+<p:sldLayout xmlns:a="http://schemas.openxmlformats.org/drawingml/2006/main" xmlns:r="http://schemas.openxmlformats.org/officeDocument/2006/relationships" xmlns:mc="http://schemas.openxmlformats.org/markup-compatibility/2006" xmlns:mv="urn:schemas-microsoft-com:mac:vml" xmlns:p="http://schemas.openxmlformats.org/presentationml/2006/main" mc:Ignorable="mv" mc:PreserveAttributes="mv:*" type="twoObj" preserve="1">
   <p:cSld name="Two Content">
     <p:spTree>
       <p:nvGrpSpPr>
@@ -1699,7 +1699,7 @@
             <a:fld id="{A4AAEA4C-2FC0-8F41-AA8D-DA93A16F9072}" type="datetimeFigureOut">
               <a:rPr lang="en-US" smtClean="0"/>
               <a:pPr/>
-              <a:t>22/10/2011</a:t>
+              <a:t>10/24/11</a:t>
             </a:fld>
             <a:endParaRPr lang="en-US"/>
           </a:p>
@@ -1757,7 +1757,7 @@
 </file>
 
 <file path=ppt/slideLayouts/slideLayout5.xml><?xml version="1.0" encoding="utf-8"?>
-<p:sldLayout xmlns:a="http://schemas.openxmlformats.org/drawingml/2006/main" xmlns:r="http://schemas.openxmlformats.org/officeDocument/2006/relationships" xmlns:p="http://schemas.openxmlformats.org/presentationml/2006/main" type="twoTxTwoObj" preserve="1">
+<p:sldLayout xmlns:a="http://schemas.openxmlformats.org/drawingml/2006/main" xmlns:r="http://schemas.openxmlformats.org/officeDocument/2006/relationships" xmlns:mc="http://schemas.openxmlformats.org/markup-compatibility/2006" xmlns:mv="urn:schemas-microsoft-com:mac:vml" xmlns:p="http://schemas.openxmlformats.org/presentationml/2006/main" mc:Ignorable="mv" mc:PreserveAttributes="mv:*" type="twoTxTwoObj" preserve="1">
   <p:cSld name="Comparison">
     <p:spTree>
       <p:nvGrpSpPr>
@@ -2118,7 +2118,7 @@
             <a:fld id="{A4AAEA4C-2FC0-8F41-AA8D-DA93A16F9072}" type="datetimeFigureOut">
               <a:rPr lang="en-US" smtClean="0"/>
               <a:pPr/>
-              <a:t>22/10/2011</a:t>
+              <a:t>10/24/11</a:t>
             </a:fld>
             <a:endParaRPr lang="en-US"/>
           </a:p>
@@ -2176,7 +2176,7 @@
 </file>
 
 <file path=ppt/slideLayouts/slideLayout6.xml><?xml version="1.0" encoding="utf-8"?>
-<p:sldLayout xmlns:a="http://schemas.openxmlformats.org/drawingml/2006/main" xmlns:r="http://schemas.openxmlformats.org/officeDocument/2006/relationships" xmlns:p="http://schemas.openxmlformats.org/presentationml/2006/main" type="titleOnly" preserve="1">
+<p:sldLayout xmlns:a="http://schemas.openxmlformats.org/drawingml/2006/main" xmlns:r="http://schemas.openxmlformats.org/officeDocument/2006/relationships" xmlns:mc="http://schemas.openxmlformats.org/markup-compatibility/2006" xmlns:mv="urn:schemas-microsoft-com:mac:vml" xmlns:p="http://schemas.openxmlformats.org/presentationml/2006/main" mc:Ignorable="mv" mc:PreserveAttributes="mv:*" type="titleOnly" preserve="1">
   <p:cSld name="Title Only">
     <p:spTree>
       <p:nvGrpSpPr>
@@ -2233,7 +2233,7 @@
             <a:fld id="{A4AAEA4C-2FC0-8F41-AA8D-DA93A16F9072}" type="datetimeFigureOut">
               <a:rPr lang="en-US" smtClean="0"/>
               <a:pPr/>
-              <a:t>22/10/2011</a:t>
+              <a:t>10/24/11</a:t>
             </a:fld>
             <a:endParaRPr lang="en-US"/>
           </a:p>
@@ -2291,7 +2291,7 @@
 </file>
 
 <file path=ppt/slideLayouts/slideLayout7.xml><?xml version="1.0" encoding="utf-8"?>
-<p:sldLayout xmlns:a="http://schemas.openxmlformats.org/drawingml/2006/main" xmlns:r="http://schemas.openxmlformats.org/officeDocument/2006/relationships" xmlns:p="http://schemas.openxmlformats.org/presentationml/2006/main" type="blank" preserve="1">
+<p:sldLayout xmlns:a="http://schemas.openxmlformats.org/drawingml/2006/main" xmlns:r="http://schemas.openxmlformats.org/officeDocument/2006/relationships" xmlns:mc="http://schemas.openxmlformats.org/markup-compatibility/2006" xmlns:mv="urn:schemas-microsoft-com:mac:vml" xmlns:p="http://schemas.openxmlformats.org/presentationml/2006/main" mc:Ignorable="mv" mc:PreserveAttributes="mv:*" type="blank" preserve="1">
   <p:cSld name="Blank">
     <p:spTree>
       <p:nvGrpSpPr>
@@ -2325,7 +2325,7 @@
             <a:fld id="{A4AAEA4C-2FC0-8F41-AA8D-DA93A16F9072}" type="datetimeFigureOut">
               <a:rPr lang="en-US" smtClean="0"/>
               <a:pPr/>
-              <a:t>22/10/2011</a:t>
+              <a:t>10/24/11</a:t>
             </a:fld>
             <a:endParaRPr lang="en-US"/>
           </a:p>
@@ -2383,7 +2383,7 @@
 </file>
 
 <file path=ppt/slideLayouts/slideLayout8.xml><?xml version="1.0" encoding="utf-8"?>
-<p:sldLayout xmlns:a="http://schemas.openxmlformats.org/drawingml/2006/main" xmlns:r="http://schemas.openxmlformats.org/officeDocument/2006/relationships" xmlns:p="http://schemas.openxmlformats.org/presentationml/2006/main" type="objTx" preserve="1">
+<p:sldLayout xmlns:a="http://schemas.openxmlformats.org/drawingml/2006/main" xmlns:r="http://schemas.openxmlformats.org/officeDocument/2006/relationships" xmlns:mc="http://schemas.openxmlformats.org/markup-compatibility/2006" xmlns:mv="urn:schemas-microsoft-com:mac:vml" xmlns:p="http://schemas.openxmlformats.org/presentationml/2006/main" mc:Ignorable="mv" mc:PreserveAttributes="mv:*" type="objTx" preserve="1">
   <p:cSld name="Content with Caption">
     <p:spTree>
       <p:nvGrpSpPr>
@@ -2599,7 +2599,7 @@
             <a:fld id="{A4AAEA4C-2FC0-8F41-AA8D-DA93A16F9072}" type="datetimeFigureOut">
               <a:rPr lang="en-US" smtClean="0"/>
               <a:pPr/>
-              <a:t>22/10/2011</a:t>
+              <a:t>10/24/11</a:t>
             </a:fld>
             <a:endParaRPr lang="en-US"/>
           </a:p>
@@ -2657,7 +2657,7 @@
 </file>
 
 <file path=ppt/slideLayouts/slideLayout9.xml><?xml version="1.0" encoding="utf-8"?>
-<p:sldLayout xmlns:a="http://schemas.openxmlformats.org/drawingml/2006/main" xmlns:r="http://schemas.openxmlformats.org/officeDocument/2006/relationships" xmlns:p="http://schemas.openxmlformats.org/presentationml/2006/main" type="picTx" preserve="1">
+<p:sldLayout xmlns:a="http://schemas.openxmlformats.org/drawingml/2006/main" xmlns:r="http://schemas.openxmlformats.org/officeDocument/2006/relationships" xmlns:mc="http://schemas.openxmlformats.org/markup-compatibility/2006" xmlns:mv="urn:schemas-microsoft-com:mac:vml" xmlns:p="http://schemas.openxmlformats.org/presentationml/2006/main" mc:Ignorable="mv" mc:PreserveAttributes="mv:*" type="picTx" preserve="1">
   <p:cSld name="Picture with Caption">
     <p:spTree>
       <p:nvGrpSpPr>
@@ -2849,7 +2849,7 @@
             <a:fld id="{A4AAEA4C-2FC0-8F41-AA8D-DA93A16F9072}" type="datetimeFigureOut">
               <a:rPr lang="en-US" smtClean="0"/>
               <a:pPr/>
-              <a:t>22/10/2011</a:t>
+              <a:t>10/24/11</a:t>
             </a:fld>
             <a:endParaRPr lang="en-US"/>
           </a:p>
@@ -2907,7 +2907,7 @@
 </file>
 
 <file path=ppt/slideMasters/slideMaster1.xml><?xml version="1.0" encoding="utf-8"?>
-<p:sldMaster xmlns:a="http://schemas.openxmlformats.org/drawingml/2006/main" xmlns:r="http://schemas.openxmlformats.org/officeDocument/2006/relationships" xmlns:p="http://schemas.openxmlformats.org/presentationml/2006/main">
+<p:sldMaster xmlns:a="http://schemas.openxmlformats.org/drawingml/2006/main" xmlns:r="http://schemas.openxmlformats.org/officeDocument/2006/relationships" xmlns:mc="http://schemas.openxmlformats.org/markup-compatibility/2006" xmlns:mv="urn:schemas-microsoft-com:mac:vml" xmlns:p="http://schemas.openxmlformats.org/presentationml/2006/main" mc:Ignorable="mv" mc:PreserveAttributes="mv:*">
   <p:cSld>
     <p:bg>
       <p:bgRef idx="1001">
@@ -3119,7 +3119,7 @@
             <a:fld id="{A4AAEA4C-2FC0-8F41-AA8D-DA93A16F9072}" type="datetimeFigureOut">
               <a:rPr lang="en-US" smtClean="0"/>
               <a:pPr/>
-              <a:t>22/10/2011</a:t>
+              <a:t>10/24/11</a:t>
             </a:fld>
             <a:endParaRPr lang="en-US"/>
           </a:p>
@@ -3474,7 +3474,7 @@
 </file>
 
 <file path=ppt/slides/slide1.xml><?xml version="1.0" encoding="utf-8"?>
-<p:sld xmlns:a="http://schemas.openxmlformats.org/drawingml/2006/main" xmlns:r="http://schemas.openxmlformats.org/officeDocument/2006/relationships" xmlns:p="http://schemas.openxmlformats.org/presentationml/2006/main">
+<p:sld xmlns:a="http://schemas.openxmlformats.org/drawingml/2006/main" xmlns:r="http://schemas.openxmlformats.org/officeDocument/2006/relationships" xmlns:mc="http://schemas.openxmlformats.org/markup-compatibility/2006" xmlns:mv="urn:schemas-microsoft-com:mac:vml" xmlns:p="http://schemas.openxmlformats.org/presentationml/2006/main" mc:Ignorable="mv" mc:PreserveAttributes="mv:*">
   <p:cSld>
     <p:spTree>
       <p:nvGrpSpPr>
@@ -3644,7 +3644,7 @@
   <p:timing>
     <p:tnLst>
       <p:par>
-        <p:cTn xmlns:p14="http://schemas.microsoft.com/office/powerpoint/2010/main" id="1" dur="indefinite" restart="never" nodeType="tmRoot"/>
+        <p:cTn id="1" dur="indefinite" restart="never" nodeType="tmRoot"/>
       </p:par>
     </p:tnLst>
   </p:timing>
@@ -3652,7 +3652,7 @@
 </file>
 
 <file path=ppt/slides/slide10.xml><?xml version="1.0" encoding="utf-8"?>
-<p:sld xmlns:a="http://schemas.openxmlformats.org/drawingml/2006/main" xmlns:r="http://schemas.openxmlformats.org/officeDocument/2006/relationships" xmlns:p="http://schemas.openxmlformats.org/presentationml/2006/main">
+<p:sld xmlns:a="http://schemas.openxmlformats.org/drawingml/2006/main" xmlns:r="http://schemas.openxmlformats.org/officeDocument/2006/relationships" xmlns:mc="http://schemas.openxmlformats.org/markup-compatibility/2006" xmlns:mv="urn:schemas-microsoft-com:mac:vml" xmlns:p="http://schemas.openxmlformats.org/presentationml/2006/main" mc:Ignorable="mv" mc:PreserveAttributes="mv:*">
   <p:cSld>
     <p:spTree>
       <p:nvGrpSpPr>
@@ -3744,7 +3744,7 @@
   <p:timing>
     <p:tnLst>
       <p:par>
-        <p:cTn xmlns:p14="http://schemas.microsoft.com/office/powerpoint/2010/main" id="1" dur="indefinite" restart="never" nodeType="tmRoot"/>
+        <p:cTn id="1" dur="indefinite" restart="never" nodeType="tmRoot"/>
       </p:par>
     </p:tnLst>
   </p:timing>
@@ -3752,7 +3752,7 @@
 </file>
 
 <file path=ppt/slides/slide11.xml><?xml version="1.0" encoding="utf-8"?>
-<p:sld xmlns:a="http://schemas.openxmlformats.org/drawingml/2006/main" xmlns:r="http://schemas.openxmlformats.org/officeDocument/2006/relationships" xmlns:p="http://schemas.openxmlformats.org/presentationml/2006/main">
+<p:sld xmlns:a="http://schemas.openxmlformats.org/drawingml/2006/main" xmlns:r="http://schemas.openxmlformats.org/officeDocument/2006/relationships" xmlns:mc="http://schemas.openxmlformats.org/markup-compatibility/2006" xmlns:mv="urn:schemas-microsoft-com:mac:vml" xmlns:p="http://schemas.openxmlformats.org/presentationml/2006/main" mc:Ignorable="mv" mc:PreserveAttributes="mv:*">
   <p:cSld>
     <p:spTree>
       <p:nvGrpSpPr>
@@ -3873,7 +3873,7 @@
   <p:timing>
     <p:tnLst>
       <p:par>
-        <p:cTn xmlns:p14="http://schemas.microsoft.com/office/powerpoint/2010/main" id="1" dur="indefinite" restart="never" nodeType="tmRoot"/>
+        <p:cTn id="1" dur="indefinite" restart="never" nodeType="tmRoot"/>
       </p:par>
     </p:tnLst>
   </p:timing>
@@ -3881,7 +3881,7 @@
 </file>
 
 <file path=ppt/slides/slide12.xml><?xml version="1.0" encoding="utf-8"?>
-<p:sld xmlns:a="http://schemas.openxmlformats.org/drawingml/2006/main" xmlns:r="http://schemas.openxmlformats.org/officeDocument/2006/relationships" xmlns:p="http://schemas.openxmlformats.org/presentationml/2006/main">
+<p:sld xmlns:a="http://schemas.openxmlformats.org/drawingml/2006/main" xmlns:r="http://schemas.openxmlformats.org/officeDocument/2006/relationships" xmlns:mc="http://schemas.openxmlformats.org/markup-compatibility/2006" xmlns:mv="urn:schemas-microsoft-com:mac:vml" xmlns:p="http://schemas.openxmlformats.org/presentationml/2006/main" mc:Ignorable="mv" mc:PreserveAttributes="mv:*">
   <p:cSld>
     <p:spTree>
       <p:nvGrpSpPr>
@@ -4041,7 +4041,7 @@
   <p:timing>
     <p:tnLst>
       <p:par>
-        <p:cTn xmlns:p14="http://schemas.microsoft.com/office/powerpoint/2010/main" id="1" dur="indefinite" restart="never" nodeType="tmRoot"/>
+        <p:cTn id="1" dur="indefinite" restart="never" nodeType="tmRoot"/>
       </p:par>
     </p:tnLst>
   </p:timing>
@@ -4049,7 +4049,7 @@
 </file>
 
 <file path=ppt/slides/slide13.xml><?xml version="1.0" encoding="utf-8"?>
-<p:sld xmlns:a="http://schemas.openxmlformats.org/drawingml/2006/main" xmlns:r="http://schemas.openxmlformats.org/officeDocument/2006/relationships" xmlns:p="http://schemas.openxmlformats.org/presentationml/2006/main">
+<p:sld xmlns:a="http://schemas.openxmlformats.org/drawingml/2006/main" xmlns:r="http://schemas.openxmlformats.org/officeDocument/2006/relationships" xmlns:mc="http://schemas.openxmlformats.org/markup-compatibility/2006" xmlns:mv="urn:schemas-microsoft-com:mac:vml" xmlns:p="http://schemas.openxmlformats.org/presentationml/2006/main" mc:Ignorable="mv" mc:PreserveAttributes="mv:*">
   <p:cSld>
     <p:spTree>
       <p:nvGrpSpPr>
@@ -4316,7 +4316,7 @@
   <p:timing>
     <p:tnLst>
       <p:par>
-        <p:cTn xmlns:p14="http://schemas.microsoft.com/office/powerpoint/2010/main" id="1" dur="indefinite" restart="never" nodeType="tmRoot"/>
+        <p:cTn id="1" dur="indefinite" restart="never" nodeType="tmRoot"/>
       </p:par>
     </p:tnLst>
   </p:timing>
@@ -4324,7 +4324,7 @@
 </file>
 
 <file path=ppt/slides/slide14.xml><?xml version="1.0" encoding="utf-8"?>
-<p:sld xmlns:a="http://schemas.openxmlformats.org/drawingml/2006/main" xmlns:r="http://schemas.openxmlformats.org/officeDocument/2006/relationships" xmlns:p="http://schemas.openxmlformats.org/presentationml/2006/main">
+<p:sld xmlns:a="http://schemas.openxmlformats.org/drawingml/2006/main" xmlns:r="http://schemas.openxmlformats.org/officeDocument/2006/relationships" xmlns:mc="http://schemas.openxmlformats.org/markup-compatibility/2006" xmlns:mv="urn:schemas-microsoft-com:mac:vml" xmlns:p="http://schemas.openxmlformats.org/presentationml/2006/main" mc:Ignorable="mv" mc:PreserveAttributes="mv:*">
   <p:cSld>
     <p:spTree>
       <p:nvGrpSpPr>
@@ -4692,8 +4692,8 @@
           </p:nvSpPr>
           <p:spPr>
             <a:xfrm>
-              <a:off x="5960247" y="4347629"/>
-              <a:ext cx="2058263" cy="646331"/>
+              <a:off x="5928181" y="4347629"/>
+              <a:ext cx="2122396" cy="646331"/>
             </a:xfrm>
             <a:prstGeom prst="rect">
               <a:avLst/>
@@ -4712,8 +4712,8 @@
                 <a:t>Contig </a:t>
               </a:r>
               <a:r>
-                <a:rPr lang="en-US" dirty="0" err="1" smtClean="0"/>
-                <a:t>orienation</a:t>
+                <a:rPr lang="en-US" dirty="0" smtClean="0"/>
+                <a:t>orientation</a:t>
               </a:r>
               <a:r>
                 <a:rPr lang="en-US" dirty="0" smtClean="0"/>
@@ -4846,7 +4846,7 @@
   <p:timing>
     <p:tnLst>
       <p:par>
-        <p:cTn xmlns:p14="http://schemas.microsoft.com/office/powerpoint/2010/main" id="1" dur="indefinite" restart="never" nodeType="tmRoot">
+        <p:cTn id="1" dur="indefinite" restart="never" nodeType="tmRoot">
           <p:childTnLst>
             <p:seq concurrent="1" nextAc="seek">
               <p:cTn id="2" dur="indefinite" nodeType="mainSeq">
@@ -4967,7 +4967,7 @@
 </file>
 
 <file path=ppt/slides/slide15.xml><?xml version="1.0" encoding="utf-8"?>
-<p:sld xmlns:a="http://schemas.openxmlformats.org/drawingml/2006/main" xmlns:r="http://schemas.openxmlformats.org/officeDocument/2006/relationships" xmlns:p="http://schemas.openxmlformats.org/presentationml/2006/main">
+<p:sld xmlns:a="http://schemas.openxmlformats.org/drawingml/2006/main" xmlns:r="http://schemas.openxmlformats.org/officeDocument/2006/relationships" xmlns:mc="http://schemas.openxmlformats.org/markup-compatibility/2006" xmlns:mv="urn:schemas-microsoft-com:mac:vml" xmlns:p="http://schemas.openxmlformats.org/presentationml/2006/main" mc:Ignorable="mv" mc:PreserveAttributes="mv:*">
   <p:cSld>
     <p:spTree>
       <p:nvGrpSpPr>
@@ -5055,7 +5055,7 @@
   <p:timing>
     <p:tnLst>
       <p:par>
-        <p:cTn xmlns:p14="http://schemas.microsoft.com/office/powerpoint/2010/main" id="1" dur="indefinite" restart="never" nodeType="tmRoot"/>
+        <p:cTn id="1" dur="indefinite" restart="never" nodeType="tmRoot"/>
       </p:par>
     </p:tnLst>
   </p:timing>
@@ -5063,7 +5063,7 @@
 </file>
 
 <file path=ppt/slides/slide2.xml><?xml version="1.0" encoding="utf-8"?>
-<p:sld xmlns:a="http://schemas.openxmlformats.org/drawingml/2006/main" xmlns:r="http://schemas.openxmlformats.org/officeDocument/2006/relationships" xmlns:p="http://schemas.openxmlformats.org/presentationml/2006/main">
+<p:sld xmlns:a="http://schemas.openxmlformats.org/drawingml/2006/main" xmlns:r="http://schemas.openxmlformats.org/officeDocument/2006/relationships" xmlns:mc="http://schemas.openxmlformats.org/markup-compatibility/2006" xmlns:mv="urn:schemas-microsoft-com:mac:vml" xmlns:p="http://schemas.openxmlformats.org/presentationml/2006/main" mc:Ignorable="mv" mc:PreserveAttributes="mv:*">
   <p:cSld>
     <p:spTree>
       <p:nvGrpSpPr>
@@ -5096,48 +5096,36 @@
           <a:p>
             <a:r>
               <a:rPr lang="en-US" dirty="0" smtClean="0"/>
-              <a:t>Learning </a:t>
-            </a:r>
+              <a:t>Learning Points</a:t>
+            </a:r>
+            <a:endParaRPr lang="en-US" dirty="0"/>
+          </a:p>
+        </p:txBody>
+      </p:sp>
+      <p:sp>
+        <p:nvSpPr>
+          <p:cNvPr id="3" name="Content Placeholder 2"/>
+          <p:cNvSpPr>
+            <a:spLocks noGrp="1"/>
+          </p:cNvSpPr>
+          <p:nvPr>
+            <p:ph idx="1"/>
+          </p:nvPr>
+        </p:nvSpPr>
+        <p:spPr/>
+        <p:txBody>
+          <a:bodyPr/>
+          <a:lstStyle/>
+          <a:p>
             <a:r>
               <a:rPr lang="en-US" dirty="0" smtClean="0"/>
-              <a:t>Points</a:t>
-            </a:r>
-            <a:endParaRPr lang="en-US" dirty="0"/>
-          </a:p>
-        </p:txBody>
-      </p:sp>
-      <p:sp>
-        <p:nvSpPr>
-          <p:cNvPr id="3" name="Content Placeholder 2"/>
-          <p:cNvSpPr>
-            <a:spLocks noGrp="1"/>
-          </p:cNvSpPr>
-          <p:nvPr>
-            <p:ph idx="1"/>
-          </p:nvPr>
-        </p:nvSpPr>
-        <p:spPr/>
-        <p:txBody>
-          <a:bodyPr/>
-          <a:lstStyle/>
+              <a:t>How to start a newbler assembly</a:t>
+            </a:r>
+          </a:p>
           <a:p>
             <a:r>
               <a:rPr lang="en-US" dirty="0" smtClean="0"/>
-              <a:t>How to </a:t>
-            </a:r>
-            <a:r>
-              <a:rPr lang="en-US" dirty="0" smtClean="0"/>
-              <a:t>start a newbler assembly</a:t>
-            </a:r>
-          </a:p>
-          <a:p>
-            <a:r>
-              <a:rPr lang="en-US" dirty="0" smtClean="0"/>
-              <a:t>Basic </a:t>
-            </a:r>
-            <a:r>
-              <a:rPr lang="en-US" dirty="0" smtClean="0"/>
-              <a:t>understanding of parameters</a:t>
+              <a:t>Basic understanding of parameters</a:t>
             </a:r>
           </a:p>
           <a:p>
@@ -5157,7 +5145,7 @@
 </file>
 
 <file path=ppt/slides/slide3.xml><?xml version="1.0" encoding="utf-8"?>
-<p:sld xmlns:a="http://schemas.openxmlformats.org/drawingml/2006/main" xmlns:r="http://schemas.openxmlformats.org/officeDocument/2006/relationships" xmlns:p="http://schemas.openxmlformats.org/presentationml/2006/main">
+<p:sld xmlns:a="http://schemas.openxmlformats.org/drawingml/2006/main" xmlns:r="http://schemas.openxmlformats.org/officeDocument/2006/relationships" xmlns:mc="http://schemas.openxmlformats.org/markup-compatibility/2006" xmlns:mv="urn:schemas-microsoft-com:mac:vml" xmlns:p="http://schemas.openxmlformats.org/presentationml/2006/main" mc:Ignorable="mv" mc:PreserveAttributes="mv:*">
   <p:cSld>
     <p:spTree>
       <p:nvGrpSpPr>
@@ -5287,7 +5275,7 @@
 </file>
 
 <file path=ppt/slides/slide4.xml><?xml version="1.0" encoding="utf-8"?>
-<p:sld xmlns:a="http://schemas.openxmlformats.org/drawingml/2006/main" xmlns:r="http://schemas.openxmlformats.org/officeDocument/2006/relationships" xmlns:p="http://schemas.openxmlformats.org/presentationml/2006/main">
+<p:sld xmlns:a="http://schemas.openxmlformats.org/drawingml/2006/main" xmlns:r="http://schemas.openxmlformats.org/officeDocument/2006/relationships" xmlns:mc="http://schemas.openxmlformats.org/markup-compatibility/2006" xmlns:mv="urn:schemas-microsoft-com:mac:vml" xmlns:p="http://schemas.openxmlformats.org/presentationml/2006/main" mc:Ignorable="mv" mc:PreserveAttributes="mv:*">
   <p:cSld>
     <p:spTree>
       <p:nvGrpSpPr>
@@ -5339,7 +5327,7 @@
         <p:spPr/>
         <p:txBody>
           <a:bodyPr>
-            <a:normAutofit/>
+            <a:normAutofit lnSpcReduction="10000"/>
           </a:bodyPr>
           <a:lstStyle/>
           <a:p>
@@ -5414,7 +5402,7 @@
 </file>
 
 <file path=ppt/slides/slide5.xml><?xml version="1.0" encoding="utf-8"?>
-<p:sld xmlns:a="http://schemas.openxmlformats.org/drawingml/2006/main" xmlns:r="http://schemas.openxmlformats.org/officeDocument/2006/relationships" xmlns:p="http://schemas.openxmlformats.org/presentationml/2006/main">
+<p:sld xmlns:a="http://schemas.openxmlformats.org/drawingml/2006/main" xmlns:r="http://schemas.openxmlformats.org/officeDocument/2006/relationships" xmlns:mc="http://schemas.openxmlformats.org/markup-compatibility/2006" xmlns:mv="urn:schemas-microsoft-com:mac:vml" xmlns:p="http://schemas.openxmlformats.org/presentationml/2006/main" mc:Ignorable="mv" mc:PreserveAttributes="mv:*">
   <p:cSld>
     <p:spTree>
       <p:nvGrpSpPr>
@@ -5529,7 +5517,7 @@
 </file>
 
 <file path=ppt/slides/slide6.xml><?xml version="1.0" encoding="utf-8"?>
-<p:sld xmlns:a="http://schemas.openxmlformats.org/drawingml/2006/main" xmlns:r="http://schemas.openxmlformats.org/officeDocument/2006/relationships" xmlns:p="http://schemas.openxmlformats.org/presentationml/2006/main">
+<p:sld xmlns:a="http://schemas.openxmlformats.org/drawingml/2006/main" xmlns:r="http://schemas.openxmlformats.org/officeDocument/2006/relationships" xmlns:mc="http://schemas.openxmlformats.org/markup-compatibility/2006" xmlns:mv="urn:schemas-microsoft-com:mac:vml" xmlns:p="http://schemas.openxmlformats.org/presentationml/2006/main" mc:Ignorable="mv" mc:PreserveAttributes="mv:*">
   <p:cSld>
     <p:spTree>
       <p:nvGrpSpPr>
@@ -5825,7 +5813,7 @@
   <p:timing>
     <p:tnLst>
       <p:par>
-        <p:cTn xmlns:p14="http://schemas.microsoft.com/office/powerpoint/2010/main" id="1" dur="indefinite" restart="never" nodeType="tmRoot"/>
+        <p:cTn id="1" dur="indefinite" restart="never" nodeType="tmRoot"/>
       </p:par>
     </p:tnLst>
   </p:timing>
@@ -5833,7 +5821,7 @@
 </file>
 
 <file path=ppt/slides/slide7.xml><?xml version="1.0" encoding="utf-8"?>
-<p:sld xmlns:a="http://schemas.openxmlformats.org/drawingml/2006/main" xmlns:r="http://schemas.openxmlformats.org/officeDocument/2006/relationships" xmlns:p="http://schemas.openxmlformats.org/presentationml/2006/main">
+<p:sld xmlns:a="http://schemas.openxmlformats.org/drawingml/2006/main" xmlns:r="http://schemas.openxmlformats.org/officeDocument/2006/relationships" xmlns:mc="http://schemas.openxmlformats.org/markup-compatibility/2006" xmlns:mv="urn:schemas-microsoft-com:mac:vml" xmlns:p="http://schemas.openxmlformats.org/presentationml/2006/main" mc:Ignorable="mv" mc:PreserveAttributes="mv:*">
   <p:cSld>
     <p:spTree>
       <p:nvGrpSpPr>
@@ -5956,7 +5944,7 @@
   <p:timing>
     <p:tnLst>
       <p:par>
-        <p:cTn xmlns:p14="http://schemas.microsoft.com/office/powerpoint/2010/main" id="1" dur="indefinite" restart="never" nodeType="tmRoot"/>
+        <p:cTn id="1" dur="indefinite" restart="never" nodeType="tmRoot"/>
       </p:par>
     </p:tnLst>
   </p:timing>
@@ -5964,7 +5952,7 @@
 </file>
 
 <file path=ppt/slides/slide8.xml><?xml version="1.0" encoding="utf-8"?>
-<p:sld xmlns:a="http://schemas.openxmlformats.org/drawingml/2006/main" xmlns:r="http://schemas.openxmlformats.org/officeDocument/2006/relationships" xmlns:p="http://schemas.openxmlformats.org/presentationml/2006/main">
+<p:sld xmlns:a="http://schemas.openxmlformats.org/drawingml/2006/main" xmlns:r="http://schemas.openxmlformats.org/officeDocument/2006/relationships" xmlns:mc="http://schemas.openxmlformats.org/markup-compatibility/2006" xmlns:mv="urn:schemas-microsoft-com:mac:vml" xmlns:p="http://schemas.openxmlformats.org/presentationml/2006/main" mc:Ignorable="mv" mc:PreserveAttributes="mv:*">
   <p:cSld>
     <p:spTree>
       <p:nvGrpSpPr>
@@ -6071,7 +6059,7 @@
   <p:timing>
     <p:tnLst>
       <p:par>
-        <p:cTn xmlns:p14="http://schemas.microsoft.com/office/powerpoint/2010/main" id="1" dur="indefinite" restart="never" nodeType="tmRoot"/>
+        <p:cTn id="1" dur="indefinite" restart="never" nodeType="tmRoot"/>
       </p:par>
     </p:tnLst>
   </p:timing>
@@ -6079,7 +6067,7 @@
 </file>
 
 <file path=ppt/slides/slide9.xml><?xml version="1.0" encoding="utf-8"?>
-<p:sld xmlns:a="http://schemas.openxmlformats.org/drawingml/2006/main" xmlns:r="http://schemas.openxmlformats.org/officeDocument/2006/relationships" xmlns:p="http://schemas.openxmlformats.org/presentationml/2006/main">
+<p:sld xmlns:a="http://schemas.openxmlformats.org/drawingml/2006/main" xmlns:r="http://schemas.openxmlformats.org/officeDocument/2006/relationships" xmlns:mc="http://schemas.openxmlformats.org/markup-compatibility/2006" xmlns:mv="urn:schemas-microsoft-com:mac:vml" xmlns:p="http://schemas.openxmlformats.org/presentationml/2006/main" mc:Ignorable="mv" mc:PreserveAttributes="mv:*">
   <p:cSld>
     <p:spTree>
       <p:nvGrpSpPr>
@@ -6243,7 +6231,7 @@
   <p:timing>
     <p:tnLst>
       <p:par>
-        <p:cTn xmlns:p14="http://schemas.microsoft.com/office/powerpoint/2010/main" id="1" dur="indefinite" restart="never" nodeType="tmRoot"/>
+        <p:cTn id="1" dur="indefinite" restart="never" nodeType="tmRoot"/>
       </p:par>
     </p:tnLst>
   </p:timing>

--- a/presentations/Practical_2_de_novo_assembly_of_454_reads_with_Newbler.pptx
+++ b/presentations/Practical_2_de_novo_assembly_of_454_reads_with_Newbler.pptx
@@ -1,6 +1,6 @@
 
 <file path=ppt/presentation.xml><?xml version="1.0" encoding="utf-8"?>
-<p:presentation xmlns:a="http://schemas.openxmlformats.org/drawingml/2006/main" xmlns:r="http://schemas.openxmlformats.org/officeDocument/2006/relationships" xmlns:mc="http://schemas.openxmlformats.org/markup-compatibility/2006" xmlns:mv="urn:schemas-microsoft-com:mac:vml" xmlns:p="http://schemas.openxmlformats.org/presentationml/2006/main" mc:Ignorable="mv" mc:PreserveAttributes="mv:*" saveSubsetFonts="1" autoCompressPictures="0">
+<p:presentation xmlns:a="http://schemas.openxmlformats.org/drawingml/2006/main" xmlns:r="http://schemas.openxmlformats.org/officeDocument/2006/relationships" xmlns:p="http://schemas.openxmlformats.org/presentationml/2006/main" saveSubsetFonts="1" autoCompressPictures="0">
   <p:sldMasterIdLst>
     <p:sldMasterId id="2147483648" r:id="rId1"/>
   </p:sldMasterIdLst>
@@ -125,7 +125,7 @@
 </file>
 
 <file path=ppt/notesMasters/notesMaster1.xml><?xml version="1.0" encoding="utf-8"?>
-<p:notesMaster xmlns:a="http://schemas.openxmlformats.org/drawingml/2006/main" xmlns:r="http://schemas.openxmlformats.org/officeDocument/2006/relationships" xmlns:mc="http://schemas.openxmlformats.org/markup-compatibility/2006" xmlns:mv="urn:schemas-microsoft-com:mac:vml" xmlns:p="http://schemas.openxmlformats.org/presentationml/2006/main" mc:Ignorable="mv" mc:PreserveAttributes="mv:*">
+<p:notesMaster xmlns:a="http://schemas.openxmlformats.org/drawingml/2006/main" xmlns:r="http://schemas.openxmlformats.org/officeDocument/2006/relationships" xmlns:p="http://schemas.openxmlformats.org/presentationml/2006/main">
   <p:cSld>
     <p:bg>
       <p:bgRef idx="1001">
@@ -207,7 +207,7 @@
             <a:fld id="{7B017CDE-E91F-D348-A70E-2B7B84391936}" type="datetimeFigureOut">
               <a:rPr lang="en-US" smtClean="0"/>
               <a:pPr/>
-              <a:t>10/24/11</a:t>
+              <a:t>26/10/2011</a:t>
             </a:fld>
             <a:endParaRPr lang="en-US"/>
           </a:p>
@@ -378,7 +378,7 @@
     </p:spTree>
     <p:extLst>
       <p:ext uri="{BB962C8B-B14F-4D97-AF65-F5344CB8AC3E}">
-        <p14:creationId xmlns:p14="http://schemas.microsoft.com/office/powerpoint/2010/main" xmlns:p="http://schemas.openxmlformats.org/presentationml/2006/main" xmlns:r="http://schemas.openxmlformats.org/officeDocument/2006/relationships" xmlns:a="http://schemas.openxmlformats.org/drawingml/2006/main" xmlns="" val="3945245888"/>
+        <p14:creationId xmlns:p14="http://schemas.microsoft.com/office/powerpoint/2010/main" val="3945245888"/>
       </p:ext>
     </p:extLst>
   </p:cSld>
@@ -479,7 +479,7 @@
 </file>
 
 <file path=ppt/slideLayouts/slideLayout1.xml><?xml version="1.0" encoding="utf-8"?>
-<p:sldLayout xmlns:a="http://schemas.openxmlformats.org/drawingml/2006/main" xmlns:r="http://schemas.openxmlformats.org/officeDocument/2006/relationships" xmlns:mc="http://schemas.openxmlformats.org/markup-compatibility/2006" xmlns:mv="urn:schemas-microsoft-com:mac:vml" xmlns:p="http://schemas.openxmlformats.org/presentationml/2006/main" mc:Ignorable="mv" mc:PreserveAttributes="mv:*" type="title" preserve="1">
+<p:sldLayout xmlns:a="http://schemas.openxmlformats.org/drawingml/2006/main" xmlns:r="http://schemas.openxmlformats.org/officeDocument/2006/relationships" xmlns:p="http://schemas.openxmlformats.org/presentationml/2006/main" type="title" preserve="1">
   <p:cSld name="Title Slide">
     <p:spTree>
       <p:nvGrpSpPr>
@@ -660,7 +660,7 @@
             <a:fld id="{A4AAEA4C-2FC0-8F41-AA8D-DA93A16F9072}" type="datetimeFigureOut">
               <a:rPr lang="en-US" smtClean="0"/>
               <a:pPr/>
-              <a:t>10/24/11</a:t>
+              <a:t>26/10/2011</a:t>
             </a:fld>
             <a:endParaRPr lang="en-US"/>
           </a:p>
@@ -718,7 +718,7 @@
 </file>
 
 <file path=ppt/slideLayouts/slideLayout10.xml><?xml version="1.0" encoding="utf-8"?>
-<p:sldLayout xmlns:a="http://schemas.openxmlformats.org/drawingml/2006/main" xmlns:r="http://schemas.openxmlformats.org/officeDocument/2006/relationships" xmlns:mc="http://schemas.openxmlformats.org/markup-compatibility/2006" xmlns:mv="urn:schemas-microsoft-com:mac:vml" xmlns:p="http://schemas.openxmlformats.org/presentationml/2006/main" mc:Ignorable="mv" mc:PreserveAttributes="mv:*" type="vertTx" preserve="1">
+<p:sldLayout xmlns:a="http://schemas.openxmlformats.org/drawingml/2006/main" xmlns:r="http://schemas.openxmlformats.org/officeDocument/2006/relationships" xmlns:p="http://schemas.openxmlformats.org/presentationml/2006/main" type="vertTx" preserve="1">
   <p:cSld name="Title and Vertical Text">
     <p:spTree>
       <p:nvGrpSpPr>
@@ -827,7 +827,7 @@
             <a:fld id="{A4AAEA4C-2FC0-8F41-AA8D-DA93A16F9072}" type="datetimeFigureOut">
               <a:rPr lang="en-US" smtClean="0"/>
               <a:pPr/>
-              <a:t>10/24/11</a:t>
+              <a:t>26/10/2011</a:t>
             </a:fld>
             <a:endParaRPr lang="en-US"/>
           </a:p>
@@ -885,7 +885,7 @@
 </file>
 
 <file path=ppt/slideLayouts/slideLayout11.xml><?xml version="1.0" encoding="utf-8"?>
-<p:sldLayout xmlns:a="http://schemas.openxmlformats.org/drawingml/2006/main" xmlns:r="http://schemas.openxmlformats.org/officeDocument/2006/relationships" xmlns:mc="http://schemas.openxmlformats.org/markup-compatibility/2006" xmlns:mv="urn:schemas-microsoft-com:mac:vml" xmlns:p="http://schemas.openxmlformats.org/presentationml/2006/main" mc:Ignorable="mv" mc:PreserveAttributes="mv:*" type="vertTitleAndTx" preserve="1">
+<p:sldLayout xmlns:a="http://schemas.openxmlformats.org/drawingml/2006/main" xmlns:r="http://schemas.openxmlformats.org/officeDocument/2006/relationships" xmlns:p="http://schemas.openxmlformats.org/presentationml/2006/main" type="vertTitleAndTx" preserve="1">
   <p:cSld name="Vertical Title and Text">
     <p:spTree>
       <p:nvGrpSpPr>
@@ -1004,7 +1004,7 @@
             <a:fld id="{A4AAEA4C-2FC0-8F41-AA8D-DA93A16F9072}" type="datetimeFigureOut">
               <a:rPr lang="en-US" smtClean="0"/>
               <a:pPr/>
-              <a:t>10/24/11</a:t>
+              <a:t>26/10/2011</a:t>
             </a:fld>
             <a:endParaRPr lang="en-US"/>
           </a:p>
@@ -1062,7 +1062,7 @@
 </file>
 
 <file path=ppt/slideLayouts/slideLayout2.xml><?xml version="1.0" encoding="utf-8"?>
-<p:sldLayout xmlns:a="http://schemas.openxmlformats.org/drawingml/2006/main" xmlns:r="http://schemas.openxmlformats.org/officeDocument/2006/relationships" xmlns:mc="http://schemas.openxmlformats.org/markup-compatibility/2006" xmlns:mv="urn:schemas-microsoft-com:mac:vml" xmlns:p="http://schemas.openxmlformats.org/presentationml/2006/main" mc:Ignorable="mv" mc:PreserveAttributes="mv:*" type="obj" preserve="1">
+<p:sldLayout xmlns:a="http://schemas.openxmlformats.org/drawingml/2006/main" xmlns:r="http://schemas.openxmlformats.org/officeDocument/2006/relationships" xmlns:p="http://schemas.openxmlformats.org/presentationml/2006/main" type="obj" preserve="1">
   <p:cSld name="Title and Content">
     <p:spTree>
       <p:nvGrpSpPr>
@@ -1171,7 +1171,7 @@
             <a:fld id="{A4AAEA4C-2FC0-8F41-AA8D-DA93A16F9072}" type="datetimeFigureOut">
               <a:rPr lang="en-US" smtClean="0"/>
               <a:pPr/>
-              <a:t>10/24/11</a:t>
+              <a:t>26/10/2011</a:t>
             </a:fld>
             <a:endParaRPr lang="en-US"/>
           </a:p>
@@ -1229,7 +1229,7 @@
 </file>
 
 <file path=ppt/slideLayouts/slideLayout3.xml><?xml version="1.0" encoding="utf-8"?>
-<p:sldLayout xmlns:a="http://schemas.openxmlformats.org/drawingml/2006/main" xmlns:r="http://schemas.openxmlformats.org/officeDocument/2006/relationships" xmlns:mc="http://schemas.openxmlformats.org/markup-compatibility/2006" xmlns:mv="urn:schemas-microsoft-com:mac:vml" xmlns:p="http://schemas.openxmlformats.org/presentationml/2006/main" mc:Ignorable="mv" mc:PreserveAttributes="mv:*" type="secHead" preserve="1">
+<p:sldLayout xmlns:a="http://schemas.openxmlformats.org/drawingml/2006/main" xmlns:r="http://schemas.openxmlformats.org/officeDocument/2006/relationships" xmlns:p="http://schemas.openxmlformats.org/presentationml/2006/main" type="secHead" preserve="1">
   <p:cSld name="Section Header">
     <p:spTree>
       <p:nvGrpSpPr>
@@ -1414,7 +1414,7 @@
             <a:fld id="{A4AAEA4C-2FC0-8F41-AA8D-DA93A16F9072}" type="datetimeFigureOut">
               <a:rPr lang="en-US" smtClean="0"/>
               <a:pPr/>
-              <a:t>10/24/11</a:t>
+              <a:t>26/10/2011</a:t>
             </a:fld>
             <a:endParaRPr lang="en-US"/>
           </a:p>
@@ -1472,7 +1472,7 @@
 </file>
 
 <file path=ppt/slideLayouts/slideLayout4.xml><?xml version="1.0" encoding="utf-8"?>
-<p:sldLayout xmlns:a="http://schemas.openxmlformats.org/drawingml/2006/main" xmlns:r="http://schemas.openxmlformats.org/officeDocument/2006/relationships" xmlns:mc="http://schemas.openxmlformats.org/markup-compatibility/2006" xmlns:mv="urn:schemas-microsoft-com:mac:vml" xmlns:p="http://schemas.openxmlformats.org/presentationml/2006/main" mc:Ignorable="mv" mc:PreserveAttributes="mv:*" type="twoObj" preserve="1">
+<p:sldLayout xmlns:a="http://schemas.openxmlformats.org/drawingml/2006/main" xmlns:r="http://schemas.openxmlformats.org/officeDocument/2006/relationships" xmlns:p="http://schemas.openxmlformats.org/presentationml/2006/main" type="twoObj" preserve="1">
   <p:cSld name="Two Content">
     <p:spTree>
       <p:nvGrpSpPr>
@@ -1699,7 +1699,7 @@
             <a:fld id="{A4AAEA4C-2FC0-8F41-AA8D-DA93A16F9072}" type="datetimeFigureOut">
               <a:rPr lang="en-US" smtClean="0"/>
               <a:pPr/>
-              <a:t>10/24/11</a:t>
+              <a:t>26/10/2011</a:t>
             </a:fld>
             <a:endParaRPr lang="en-US"/>
           </a:p>
@@ -1757,7 +1757,7 @@
 </file>
 
 <file path=ppt/slideLayouts/slideLayout5.xml><?xml version="1.0" encoding="utf-8"?>
-<p:sldLayout xmlns:a="http://schemas.openxmlformats.org/drawingml/2006/main" xmlns:r="http://schemas.openxmlformats.org/officeDocument/2006/relationships" xmlns:mc="http://schemas.openxmlformats.org/markup-compatibility/2006" xmlns:mv="urn:schemas-microsoft-com:mac:vml" xmlns:p="http://schemas.openxmlformats.org/presentationml/2006/main" mc:Ignorable="mv" mc:PreserveAttributes="mv:*" type="twoTxTwoObj" preserve="1">
+<p:sldLayout xmlns:a="http://schemas.openxmlformats.org/drawingml/2006/main" xmlns:r="http://schemas.openxmlformats.org/officeDocument/2006/relationships" xmlns:p="http://schemas.openxmlformats.org/presentationml/2006/main" type="twoTxTwoObj" preserve="1">
   <p:cSld name="Comparison">
     <p:spTree>
       <p:nvGrpSpPr>
@@ -2118,7 +2118,7 @@
             <a:fld id="{A4AAEA4C-2FC0-8F41-AA8D-DA93A16F9072}" type="datetimeFigureOut">
               <a:rPr lang="en-US" smtClean="0"/>
               <a:pPr/>
-              <a:t>10/24/11</a:t>
+              <a:t>26/10/2011</a:t>
             </a:fld>
             <a:endParaRPr lang="en-US"/>
           </a:p>
@@ -2176,7 +2176,7 @@
 </file>
 
 <file path=ppt/slideLayouts/slideLayout6.xml><?xml version="1.0" encoding="utf-8"?>
-<p:sldLayout xmlns:a="http://schemas.openxmlformats.org/drawingml/2006/main" xmlns:r="http://schemas.openxmlformats.org/officeDocument/2006/relationships" xmlns:mc="http://schemas.openxmlformats.org/markup-compatibility/2006" xmlns:mv="urn:schemas-microsoft-com:mac:vml" xmlns:p="http://schemas.openxmlformats.org/presentationml/2006/main" mc:Ignorable="mv" mc:PreserveAttributes="mv:*" type="titleOnly" preserve="1">
+<p:sldLayout xmlns:a="http://schemas.openxmlformats.org/drawingml/2006/main" xmlns:r="http://schemas.openxmlformats.org/officeDocument/2006/relationships" xmlns:p="http://schemas.openxmlformats.org/presentationml/2006/main" type="titleOnly" preserve="1">
   <p:cSld name="Title Only">
     <p:spTree>
       <p:nvGrpSpPr>
@@ -2233,7 +2233,7 @@
             <a:fld id="{A4AAEA4C-2FC0-8F41-AA8D-DA93A16F9072}" type="datetimeFigureOut">
               <a:rPr lang="en-US" smtClean="0"/>
               <a:pPr/>
-              <a:t>10/24/11</a:t>
+              <a:t>26/10/2011</a:t>
             </a:fld>
             <a:endParaRPr lang="en-US"/>
           </a:p>
@@ -2291,7 +2291,7 @@
 </file>
 
 <file path=ppt/slideLayouts/slideLayout7.xml><?xml version="1.0" encoding="utf-8"?>
-<p:sldLayout xmlns:a="http://schemas.openxmlformats.org/drawingml/2006/main" xmlns:r="http://schemas.openxmlformats.org/officeDocument/2006/relationships" xmlns:mc="http://schemas.openxmlformats.org/markup-compatibility/2006" xmlns:mv="urn:schemas-microsoft-com:mac:vml" xmlns:p="http://schemas.openxmlformats.org/presentationml/2006/main" mc:Ignorable="mv" mc:PreserveAttributes="mv:*" type="blank" preserve="1">
+<p:sldLayout xmlns:a="http://schemas.openxmlformats.org/drawingml/2006/main" xmlns:r="http://schemas.openxmlformats.org/officeDocument/2006/relationships" xmlns:p="http://schemas.openxmlformats.org/presentationml/2006/main" type="blank" preserve="1">
   <p:cSld name="Blank">
     <p:spTree>
       <p:nvGrpSpPr>
@@ -2325,7 +2325,7 @@
             <a:fld id="{A4AAEA4C-2FC0-8F41-AA8D-DA93A16F9072}" type="datetimeFigureOut">
               <a:rPr lang="en-US" smtClean="0"/>
               <a:pPr/>
-              <a:t>10/24/11</a:t>
+              <a:t>26/10/2011</a:t>
             </a:fld>
             <a:endParaRPr lang="en-US"/>
           </a:p>
@@ -2383,7 +2383,7 @@
 </file>
 
 <file path=ppt/slideLayouts/slideLayout8.xml><?xml version="1.0" encoding="utf-8"?>
-<p:sldLayout xmlns:a="http://schemas.openxmlformats.org/drawingml/2006/main" xmlns:r="http://schemas.openxmlformats.org/officeDocument/2006/relationships" xmlns:mc="http://schemas.openxmlformats.org/markup-compatibility/2006" xmlns:mv="urn:schemas-microsoft-com:mac:vml" xmlns:p="http://schemas.openxmlformats.org/presentationml/2006/main" mc:Ignorable="mv" mc:PreserveAttributes="mv:*" type="objTx" preserve="1">
+<p:sldLayout xmlns:a="http://schemas.openxmlformats.org/drawingml/2006/main" xmlns:r="http://schemas.openxmlformats.org/officeDocument/2006/relationships" xmlns:p="http://schemas.openxmlformats.org/presentationml/2006/main" type="objTx" preserve="1">
   <p:cSld name="Content with Caption">
     <p:spTree>
       <p:nvGrpSpPr>
@@ -2599,7 +2599,7 @@
             <a:fld id="{A4AAEA4C-2FC0-8F41-AA8D-DA93A16F9072}" type="datetimeFigureOut">
               <a:rPr lang="en-US" smtClean="0"/>
               <a:pPr/>
-              <a:t>10/24/11</a:t>
+              <a:t>26/10/2011</a:t>
             </a:fld>
             <a:endParaRPr lang="en-US"/>
           </a:p>
@@ -2657,7 +2657,7 @@
 </file>
 
 <file path=ppt/slideLayouts/slideLayout9.xml><?xml version="1.0" encoding="utf-8"?>
-<p:sldLayout xmlns:a="http://schemas.openxmlformats.org/drawingml/2006/main" xmlns:r="http://schemas.openxmlformats.org/officeDocument/2006/relationships" xmlns:mc="http://schemas.openxmlformats.org/markup-compatibility/2006" xmlns:mv="urn:schemas-microsoft-com:mac:vml" xmlns:p="http://schemas.openxmlformats.org/presentationml/2006/main" mc:Ignorable="mv" mc:PreserveAttributes="mv:*" type="picTx" preserve="1">
+<p:sldLayout xmlns:a="http://schemas.openxmlformats.org/drawingml/2006/main" xmlns:r="http://schemas.openxmlformats.org/officeDocument/2006/relationships" xmlns:p="http://schemas.openxmlformats.org/presentationml/2006/main" type="picTx" preserve="1">
   <p:cSld name="Picture with Caption">
     <p:spTree>
       <p:nvGrpSpPr>
@@ -2849,7 +2849,7 @@
             <a:fld id="{A4AAEA4C-2FC0-8F41-AA8D-DA93A16F9072}" type="datetimeFigureOut">
               <a:rPr lang="en-US" smtClean="0"/>
               <a:pPr/>
-              <a:t>10/24/11</a:t>
+              <a:t>26/10/2011</a:t>
             </a:fld>
             <a:endParaRPr lang="en-US"/>
           </a:p>
@@ -2907,7 +2907,7 @@
 </file>
 
 <file path=ppt/slideMasters/slideMaster1.xml><?xml version="1.0" encoding="utf-8"?>
-<p:sldMaster xmlns:a="http://schemas.openxmlformats.org/drawingml/2006/main" xmlns:r="http://schemas.openxmlformats.org/officeDocument/2006/relationships" xmlns:mc="http://schemas.openxmlformats.org/markup-compatibility/2006" xmlns:mv="urn:schemas-microsoft-com:mac:vml" xmlns:p="http://schemas.openxmlformats.org/presentationml/2006/main" mc:Ignorable="mv" mc:PreserveAttributes="mv:*">
+<p:sldMaster xmlns:a="http://schemas.openxmlformats.org/drawingml/2006/main" xmlns:r="http://schemas.openxmlformats.org/officeDocument/2006/relationships" xmlns:p="http://schemas.openxmlformats.org/presentationml/2006/main">
   <p:cSld>
     <p:bg>
       <p:bgRef idx="1001">
@@ -3119,7 +3119,7 @@
             <a:fld id="{A4AAEA4C-2FC0-8F41-AA8D-DA93A16F9072}" type="datetimeFigureOut">
               <a:rPr lang="en-US" smtClean="0"/>
               <a:pPr/>
-              <a:t>10/24/11</a:t>
+              <a:t>26/10/2011</a:t>
             </a:fld>
             <a:endParaRPr lang="en-US"/>
           </a:p>
@@ -3474,7 +3474,7 @@
 </file>
 
 <file path=ppt/slides/slide1.xml><?xml version="1.0" encoding="utf-8"?>
-<p:sld xmlns:a="http://schemas.openxmlformats.org/drawingml/2006/main" xmlns:r="http://schemas.openxmlformats.org/officeDocument/2006/relationships" xmlns:mc="http://schemas.openxmlformats.org/markup-compatibility/2006" xmlns:mv="urn:schemas-microsoft-com:mac:vml" xmlns:p="http://schemas.openxmlformats.org/presentationml/2006/main" mc:Ignorable="mv" mc:PreserveAttributes="mv:*">
+<p:sld xmlns:a="http://schemas.openxmlformats.org/drawingml/2006/main" xmlns:r="http://schemas.openxmlformats.org/officeDocument/2006/relationships" xmlns:p="http://schemas.openxmlformats.org/presentationml/2006/main">
   <p:cSld>
     <p:spTree>
       <p:nvGrpSpPr>
@@ -3644,7 +3644,7 @@
   <p:timing>
     <p:tnLst>
       <p:par>
-        <p:cTn id="1" dur="indefinite" restart="never" nodeType="tmRoot"/>
+        <p:cTn xmlns:p14="http://schemas.microsoft.com/office/powerpoint/2010/main" id="1" dur="indefinite" restart="never" nodeType="tmRoot"/>
       </p:par>
     </p:tnLst>
   </p:timing>
@@ -3652,7 +3652,7 @@
 </file>
 
 <file path=ppt/slides/slide10.xml><?xml version="1.0" encoding="utf-8"?>
-<p:sld xmlns:a="http://schemas.openxmlformats.org/drawingml/2006/main" xmlns:r="http://schemas.openxmlformats.org/officeDocument/2006/relationships" xmlns:mc="http://schemas.openxmlformats.org/markup-compatibility/2006" xmlns:mv="urn:schemas-microsoft-com:mac:vml" xmlns:p="http://schemas.openxmlformats.org/presentationml/2006/main" mc:Ignorable="mv" mc:PreserveAttributes="mv:*">
+<p:sld xmlns:a="http://schemas.openxmlformats.org/drawingml/2006/main" xmlns:r="http://schemas.openxmlformats.org/officeDocument/2006/relationships" xmlns:p="http://schemas.openxmlformats.org/presentationml/2006/main">
   <p:cSld>
     <p:spTree>
       <p:nvGrpSpPr>
@@ -3744,7 +3744,7 @@
   <p:timing>
     <p:tnLst>
       <p:par>
-        <p:cTn id="1" dur="indefinite" restart="never" nodeType="tmRoot"/>
+        <p:cTn xmlns:p14="http://schemas.microsoft.com/office/powerpoint/2010/main" id="1" dur="indefinite" restart="never" nodeType="tmRoot"/>
       </p:par>
     </p:tnLst>
   </p:timing>
@@ -3752,7 +3752,7 @@
 </file>
 
 <file path=ppt/slides/slide11.xml><?xml version="1.0" encoding="utf-8"?>
-<p:sld xmlns:a="http://schemas.openxmlformats.org/drawingml/2006/main" xmlns:r="http://schemas.openxmlformats.org/officeDocument/2006/relationships" xmlns:mc="http://schemas.openxmlformats.org/markup-compatibility/2006" xmlns:mv="urn:schemas-microsoft-com:mac:vml" xmlns:p="http://schemas.openxmlformats.org/presentationml/2006/main" mc:Ignorable="mv" mc:PreserveAttributes="mv:*">
+<p:sld xmlns:a="http://schemas.openxmlformats.org/drawingml/2006/main" xmlns:r="http://schemas.openxmlformats.org/officeDocument/2006/relationships" xmlns:p="http://schemas.openxmlformats.org/presentationml/2006/main">
   <p:cSld>
     <p:spTree>
       <p:nvGrpSpPr>
@@ -3873,7 +3873,7 @@
   <p:timing>
     <p:tnLst>
       <p:par>
-        <p:cTn id="1" dur="indefinite" restart="never" nodeType="tmRoot"/>
+        <p:cTn xmlns:p14="http://schemas.microsoft.com/office/powerpoint/2010/main" id="1" dur="indefinite" restart="never" nodeType="tmRoot"/>
       </p:par>
     </p:tnLst>
   </p:timing>
@@ -3881,7 +3881,7 @@
 </file>
 
 <file path=ppt/slides/slide12.xml><?xml version="1.0" encoding="utf-8"?>
-<p:sld xmlns:a="http://schemas.openxmlformats.org/drawingml/2006/main" xmlns:r="http://schemas.openxmlformats.org/officeDocument/2006/relationships" xmlns:mc="http://schemas.openxmlformats.org/markup-compatibility/2006" xmlns:mv="urn:schemas-microsoft-com:mac:vml" xmlns:p="http://schemas.openxmlformats.org/presentationml/2006/main" mc:Ignorable="mv" mc:PreserveAttributes="mv:*">
+<p:sld xmlns:a="http://schemas.openxmlformats.org/drawingml/2006/main" xmlns:r="http://schemas.openxmlformats.org/officeDocument/2006/relationships" xmlns:p="http://schemas.openxmlformats.org/presentationml/2006/main">
   <p:cSld>
     <p:spTree>
       <p:nvGrpSpPr>
@@ -4041,7 +4041,7 @@
   <p:timing>
     <p:tnLst>
       <p:par>
-        <p:cTn id="1" dur="indefinite" restart="never" nodeType="tmRoot"/>
+        <p:cTn xmlns:p14="http://schemas.microsoft.com/office/powerpoint/2010/main" id="1" dur="indefinite" restart="never" nodeType="tmRoot"/>
       </p:par>
     </p:tnLst>
   </p:timing>
@@ -4049,7 +4049,7 @@
 </file>
 
 <file path=ppt/slides/slide13.xml><?xml version="1.0" encoding="utf-8"?>
-<p:sld xmlns:a="http://schemas.openxmlformats.org/drawingml/2006/main" xmlns:r="http://schemas.openxmlformats.org/officeDocument/2006/relationships" xmlns:mc="http://schemas.openxmlformats.org/markup-compatibility/2006" xmlns:mv="urn:schemas-microsoft-com:mac:vml" xmlns:p="http://schemas.openxmlformats.org/presentationml/2006/main" mc:Ignorable="mv" mc:PreserveAttributes="mv:*">
+<p:sld xmlns:a="http://schemas.openxmlformats.org/drawingml/2006/main" xmlns:r="http://schemas.openxmlformats.org/officeDocument/2006/relationships" xmlns:p="http://schemas.openxmlformats.org/presentationml/2006/main">
   <p:cSld>
     <p:spTree>
       <p:nvGrpSpPr>
@@ -4146,28 +4146,14 @@
                 <a:latin typeface="Courier New"/>
                 <a:cs typeface="Courier New"/>
               </a:rPr>
-              <a:t> -</a:t>
+              <a:t> -o trim1 –</a:t>
             </a:r>
             <a:r>
               <a:rPr lang="en-US" sz="1800" dirty="0" err="1" smtClean="0">
                 <a:latin typeface="Courier New"/>
                 <a:cs typeface="Courier New"/>
               </a:rPr>
-              <a:t>o</a:t>
-            </a:r>
-            <a:r>
-              <a:rPr lang="en-US" sz="1800" dirty="0" smtClean="0">
-                <a:latin typeface="Courier New"/>
-                <a:cs typeface="Courier New"/>
-              </a:rPr>
-              <a:t> trim1 –</a:t>
-            </a:r>
-            <a:r>
-              <a:rPr lang="en-US" sz="1800" dirty="0" err="1" smtClean="0">
-                <a:latin typeface="Courier New"/>
-                <a:cs typeface="Courier New"/>
-              </a:rPr>
-              <a:t>vs</a:t>
+              <a:t>vt</a:t>
             </a:r>
             <a:r>
               <a:rPr lang="en-US" sz="1800" dirty="0" smtClean="0">
@@ -4316,7 +4302,7 @@
   <p:timing>
     <p:tnLst>
       <p:par>
-        <p:cTn id="1" dur="indefinite" restart="never" nodeType="tmRoot"/>
+        <p:cTn xmlns:p14="http://schemas.microsoft.com/office/powerpoint/2010/main" id="1" dur="indefinite" restart="never" nodeType="tmRoot"/>
       </p:par>
     </p:tnLst>
   </p:timing>
@@ -4324,7 +4310,7 @@
 </file>
 
 <file path=ppt/slides/slide14.xml><?xml version="1.0" encoding="utf-8"?>
-<p:sld xmlns:a="http://schemas.openxmlformats.org/drawingml/2006/main" xmlns:r="http://schemas.openxmlformats.org/officeDocument/2006/relationships" xmlns:mc="http://schemas.openxmlformats.org/markup-compatibility/2006" xmlns:mv="urn:schemas-microsoft-com:mac:vml" xmlns:p="http://schemas.openxmlformats.org/presentationml/2006/main" mc:Ignorable="mv" mc:PreserveAttributes="mv:*">
+<p:sld xmlns:a="http://schemas.openxmlformats.org/drawingml/2006/main" xmlns:r="http://schemas.openxmlformats.org/officeDocument/2006/relationships" xmlns:p="http://schemas.openxmlformats.org/presentationml/2006/main">
   <p:cSld>
     <p:spTree>
       <p:nvGrpSpPr>
@@ -4709,15 +4695,7 @@
               <a:pPr algn="ctr"/>
               <a:r>
                 <a:rPr lang="en-US" dirty="0" smtClean="0"/>
-                <a:t>Contig </a:t>
-              </a:r>
-              <a:r>
-                <a:rPr lang="en-US" dirty="0" smtClean="0"/>
-                <a:t>orientation</a:t>
-              </a:r>
-              <a:r>
-                <a:rPr lang="en-US" dirty="0" smtClean="0"/>
-                <a:t>?</a:t>
+                <a:t>Contig orientation?</a:t>
               </a:r>
             </a:p>
             <a:p>
@@ -4846,7 +4824,7 @@
   <p:timing>
     <p:tnLst>
       <p:par>
-        <p:cTn id="1" dur="indefinite" restart="never" nodeType="tmRoot">
+        <p:cTn xmlns:p14="http://schemas.microsoft.com/office/powerpoint/2010/main" id="1" dur="indefinite" restart="never" nodeType="tmRoot">
           <p:childTnLst>
             <p:seq concurrent="1" nextAc="seek">
               <p:cTn id="2" dur="indefinite" nodeType="mainSeq">
@@ -4967,7 +4945,7 @@
 </file>
 
 <file path=ppt/slides/slide15.xml><?xml version="1.0" encoding="utf-8"?>
-<p:sld xmlns:a="http://schemas.openxmlformats.org/drawingml/2006/main" xmlns:r="http://schemas.openxmlformats.org/officeDocument/2006/relationships" xmlns:mc="http://schemas.openxmlformats.org/markup-compatibility/2006" xmlns:mv="urn:schemas-microsoft-com:mac:vml" xmlns:p="http://schemas.openxmlformats.org/presentationml/2006/main" mc:Ignorable="mv" mc:PreserveAttributes="mv:*">
+<p:sld xmlns:a="http://schemas.openxmlformats.org/drawingml/2006/main" xmlns:r="http://schemas.openxmlformats.org/officeDocument/2006/relationships" xmlns:p="http://schemas.openxmlformats.org/presentationml/2006/main">
   <p:cSld>
     <p:spTree>
       <p:nvGrpSpPr>
@@ -5055,7 +5033,7 @@
   <p:timing>
     <p:tnLst>
       <p:par>
-        <p:cTn id="1" dur="indefinite" restart="never" nodeType="tmRoot"/>
+        <p:cTn xmlns:p14="http://schemas.microsoft.com/office/powerpoint/2010/main" id="1" dur="indefinite" restart="never" nodeType="tmRoot"/>
       </p:par>
     </p:tnLst>
   </p:timing>
@@ -5063,7 +5041,7 @@
 </file>
 
 <file path=ppt/slides/slide2.xml><?xml version="1.0" encoding="utf-8"?>
-<p:sld xmlns:a="http://schemas.openxmlformats.org/drawingml/2006/main" xmlns:r="http://schemas.openxmlformats.org/officeDocument/2006/relationships" xmlns:mc="http://schemas.openxmlformats.org/markup-compatibility/2006" xmlns:mv="urn:schemas-microsoft-com:mac:vml" xmlns:p="http://schemas.openxmlformats.org/presentationml/2006/main" mc:Ignorable="mv" mc:PreserveAttributes="mv:*">
+<p:sld xmlns:a="http://schemas.openxmlformats.org/drawingml/2006/main" xmlns:r="http://schemas.openxmlformats.org/officeDocument/2006/relationships" xmlns:p="http://schemas.openxmlformats.org/presentationml/2006/main">
   <p:cSld>
     <p:spTree>
       <p:nvGrpSpPr>
@@ -5141,11 +5119,18 @@
   <p:clrMapOvr>
     <a:masterClrMapping/>
   </p:clrMapOvr>
+  <p:timing>
+    <p:tnLst>
+      <p:par>
+        <p:cTn xmlns:p14="http://schemas.microsoft.com/office/powerpoint/2010/main" id="1" dur="indefinite" restart="never" nodeType="tmRoot"/>
+      </p:par>
+    </p:tnLst>
+  </p:timing>
 </p:sld>
 </file>
 
 <file path=ppt/slides/slide3.xml><?xml version="1.0" encoding="utf-8"?>
-<p:sld xmlns:a="http://schemas.openxmlformats.org/drawingml/2006/main" xmlns:r="http://schemas.openxmlformats.org/officeDocument/2006/relationships" xmlns:mc="http://schemas.openxmlformats.org/markup-compatibility/2006" xmlns:mv="urn:schemas-microsoft-com:mac:vml" xmlns:p="http://schemas.openxmlformats.org/presentationml/2006/main" mc:Ignorable="mv" mc:PreserveAttributes="mv:*">
+<p:sld xmlns:a="http://schemas.openxmlformats.org/drawingml/2006/main" xmlns:r="http://schemas.openxmlformats.org/officeDocument/2006/relationships" xmlns:p="http://schemas.openxmlformats.org/presentationml/2006/main">
   <p:cSld>
     <p:spTree>
       <p:nvGrpSpPr>
@@ -5271,11 +5256,18 @@
   <p:clrMapOvr>
     <a:masterClrMapping/>
   </p:clrMapOvr>
+  <p:timing>
+    <p:tnLst>
+      <p:par>
+        <p:cTn xmlns:p14="http://schemas.microsoft.com/office/powerpoint/2010/main" id="1" dur="indefinite" restart="never" nodeType="tmRoot"/>
+      </p:par>
+    </p:tnLst>
+  </p:timing>
 </p:sld>
 </file>
 
 <file path=ppt/slides/slide4.xml><?xml version="1.0" encoding="utf-8"?>
-<p:sld xmlns:a="http://schemas.openxmlformats.org/drawingml/2006/main" xmlns:r="http://schemas.openxmlformats.org/officeDocument/2006/relationships" xmlns:mc="http://schemas.openxmlformats.org/markup-compatibility/2006" xmlns:mv="urn:schemas-microsoft-com:mac:vml" xmlns:p="http://schemas.openxmlformats.org/presentationml/2006/main" mc:Ignorable="mv" mc:PreserveAttributes="mv:*">
+<p:sld xmlns:a="http://schemas.openxmlformats.org/drawingml/2006/main" xmlns:r="http://schemas.openxmlformats.org/officeDocument/2006/relationships" xmlns:p="http://schemas.openxmlformats.org/presentationml/2006/main">
   <p:cSld>
     <p:spTree>
       <p:nvGrpSpPr>
@@ -5327,7 +5319,7 @@
         <p:spPr/>
         <p:txBody>
           <a:bodyPr>
-            <a:normAutofit lnSpcReduction="10000"/>
+            <a:normAutofit/>
           </a:bodyPr>
           <a:lstStyle/>
           <a:p>
@@ -5398,11 +5390,18 @@
   <p:clrMapOvr>
     <a:masterClrMapping/>
   </p:clrMapOvr>
+  <p:timing>
+    <p:tnLst>
+      <p:par>
+        <p:cTn xmlns:p14="http://schemas.microsoft.com/office/powerpoint/2010/main" id="1" dur="indefinite" restart="never" nodeType="tmRoot"/>
+      </p:par>
+    </p:tnLst>
+  </p:timing>
 </p:sld>
 </file>
 
 <file path=ppt/slides/slide5.xml><?xml version="1.0" encoding="utf-8"?>
-<p:sld xmlns:a="http://schemas.openxmlformats.org/drawingml/2006/main" xmlns:r="http://schemas.openxmlformats.org/officeDocument/2006/relationships" xmlns:mc="http://schemas.openxmlformats.org/markup-compatibility/2006" xmlns:mv="urn:schemas-microsoft-com:mac:vml" xmlns:p="http://schemas.openxmlformats.org/presentationml/2006/main" mc:Ignorable="mv" mc:PreserveAttributes="mv:*">
+<p:sld xmlns:a="http://schemas.openxmlformats.org/drawingml/2006/main" xmlns:r="http://schemas.openxmlformats.org/officeDocument/2006/relationships" xmlns:p="http://schemas.openxmlformats.org/presentationml/2006/main">
   <p:cSld>
     <p:spTree>
       <p:nvGrpSpPr>
@@ -5513,11 +5512,18 @@
   <p:clrMapOvr>
     <a:masterClrMapping/>
   </p:clrMapOvr>
+  <p:timing>
+    <p:tnLst>
+      <p:par>
+        <p:cTn xmlns:p14="http://schemas.microsoft.com/office/powerpoint/2010/main" id="1" dur="indefinite" restart="never" nodeType="tmRoot"/>
+      </p:par>
+    </p:tnLst>
+  </p:timing>
 </p:sld>
 </file>
 
 <file path=ppt/slides/slide6.xml><?xml version="1.0" encoding="utf-8"?>
-<p:sld xmlns:a="http://schemas.openxmlformats.org/drawingml/2006/main" xmlns:r="http://schemas.openxmlformats.org/officeDocument/2006/relationships" xmlns:mc="http://schemas.openxmlformats.org/markup-compatibility/2006" xmlns:mv="urn:schemas-microsoft-com:mac:vml" xmlns:p="http://schemas.openxmlformats.org/presentationml/2006/main" mc:Ignorable="mv" mc:PreserveAttributes="mv:*">
+<p:sld xmlns:a="http://schemas.openxmlformats.org/drawingml/2006/main" xmlns:r="http://schemas.openxmlformats.org/officeDocument/2006/relationships" xmlns:p="http://schemas.openxmlformats.org/presentationml/2006/main">
   <p:cSld>
     <p:spTree>
       <p:nvGrpSpPr>
@@ -5813,7 +5819,7 @@
   <p:timing>
     <p:tnLst>
       <p:par>
-        <p:cTn id="1" dur="indefinite" restart="never" nodeType="tmRoot"/>
+        <p:cTn xmlns:p14="http://schemas.microsoft.com/office/powerpoint/2010/main" id="1" dur="indefinite" restart="never" nodeType="tmRoot"/>
       </p:par>
     </p:tnLst>
   </p:timing>
@@ -5821,7 +5827,7 @@
 </file>
 
 <file path=ppt/slides/slide7.xml><?xml version="1.0" encoding="utf-8"?>
-<p:sld xmlns:a="http://schemas.openxmlformats.org/drawingml/2006/main" xmlns:r="http://schemas.openxmlformats.org/officeDocument/2006/relationships" xmlns:mc="http://schemas.openxmlformats.org/markup-compatibility/2006" xmlns:mv="urn:schemas-microsoft-com:mac:vml" xmlns:p="http://schemas.openxmlformats.org/presentationml/2006/main" mc:Ignorable="mv" mc:PreserveAttributes="mv:*">
+<p:sld xmlns:a="http://schemas.openxmlformats.org/drawingml/2006/main" xmlns:r="http://schemas.openxmlformats.org/officeDocument/2006/relationships" xmlns:p="http://schemas.openxmlformats.org/presentationml/2006/main">
   <p:cSld>
     <p:spTree>
       <p:nvGrpSpPr>
@@ -5944,7 +5950,7 @@
   <p:timing>
     <p:tnLst>
       <p:par>
-        <p:cTn id="1" dur="indefinite" restart="never" nodeType="tmRoot"/>
+        <p:cTn xmlns:p14="http://schemas.microsoft.com/office/powerpoint/2010/main" id="1" dur="indefinite" restart="never" nodeType="tmRoot"/>
       </p:par>
     </p:tnLst>
   </p:timing>
@@ -5952,7 +5958,7 @@
 </file>
 
 <file path=ppt/slides/slide8.xml><?xml version="1.0" encoding="utf-8"?>
-<p:sld xmlns:a="http://schemas.openxmlformats.org/drawingml/2006/main" xmlns:r="http://schemas.openxmlformats.org/officeDocument/2006/relationships" xmlns:mc="http://schemas.openxmlformats.org/markup-compatibility/2006" xmlns:mv="urn:schemas-microsoft-com:mac:vml" xmlns:p="http://schemas.openxmlformats.org/presentationml/2006/main" mc:Ignorable="mv" mc:PreserveAttributes="mv:*">
+<p:sld xmlns:a="http://schemas.openxmlformats.org/drawingml/2006/main" xmlns:r="http://schemas.openxmlformats.org/officeDocument/2006/relationships" xmlns:p="http://schemas.openxmlformats.org/presentationml/2006/main">
   <p:cSld>
     <p:spTree>
       <p:nvGrpSpPr>
@@ -6015,8 +6021,13 @@
             <a:pPr lvl="1"/>
             <a:r>
               <a:rPr lang="en-US" dirty="0" smtClean="0"/>
-              <a:t>minimum overlap length</a:t>
-            </a:r>
+              <a:t>minimum overlap </a:t>
+            </a:r>
+            <a:r>
+              <a:rPr lang="en-US" dirty="0" smtClean="0"/>
+              <a:t>identity</a:t>
+            </a:r>
+            <a:endParaRPr lang="en-US" dirty="0" smtClean="0"/>
           </a:p>
           <a:p>
             <a:pPr lvl="2"/>
@@ -6059,7 +6070,7 @@
   <p:timing>
     <p:tnLst>
       <p:par>
-        <p:cTn id="1" dur="indefinite" restart="never" nodeType="tmRoot"/>
+        <p:cTn xmlns:p14="http://schemas.microsoft.com/office/powerpoint/2010/main" id="1" dur="indefinite" restart="never" nodeType="tmRoot"/>
       </p:par>
     </p:tnLst>
   </p:timing>
@@ -6067,7 +6078,7 @@
 </file>
 
 <file path=ppt/slides/slide9.xml><?xml version="1.0" encoding="utf-8"?>
-<p:sld xmlns:a="http://schemas.openxmlformats.org/drawingml/2006/main" xmlns:r="http://schemas.openxmlformats.org/officeDocument/2006/relationships" xmlns:mc="http://schemas.openxmlformats.org/markup-compatibility/2006" xmlns:mv="urn:schemas-microsoft-com:mac:vml" xmlns:p="http://schemas.openxmlformats.org/presentationml/2006/main" mc:Ignorable="mv" mc:PreserveAttributes="mv:*">
+<p:sld xmlns:a="http://schemas.openxmlformats.org/drawingml/2006/main" xmlns:r="http://schemas.openxmlformats.org/officeDocument/2006/relationships" xmlns:p="http://schemas.openxmlformats.org/presentationml/2006/main">
   <p:cSld>
     <p:spTree>
       <p:nvGrpSpPr>
@@ -6189,21 +6200,7 @@
                 <a:latin typeface="Courier New"/>
                 <a:cs typeface="Courier New"/>
               </a:rPr>
-              <a:t> -</a:t>
-            </a:r>
-            <a:r>
-              <a:rPr lang="en-US" sz="2000" dirty="0" err="1" smtClean="0">
-                <a:latin typeface="Courier New"/>
-                <a:cs typeface="Courier New"/>
-              </a:rPr>
-              <a:t>o</a:t>
-            </a:r>
-            <a:r>
-              <a:rPr lang="en-US" sz="2000" dirty="0" smtClean="0">
-                <a:latin typeface="Courier New"/>
-                <a:cs typeface="Courier New"/>
-              </a:rPr>
-              <a:t> loose -ml 30 -mi 80% /data/*.</a:t>
+              <a:t> -o loose -ml 30 -mi 80% /data/*.</a:t>
             </a:r>
             <a:r>
               <a:rPr lang="en-US" sz="2000" dirty="0" err="1" smtClean="0">
@@ -6218,8 +6215,86 @@
             </a:endParaRPr>
           </a:p>
           <a:p>
+            <a:endParaRPr lang="en-US" sz="2000" dirty="0" smtClean="0">
+              <a:latin typeface="Courier New"/>
+              <a:cs typeface="Courier New"/>
+            </a:endParaRPr>
+          </a:p>
+          <a:p>
+            <a:r>
+              <a:rPr lang="en-US" sz="2000" dirty="0" err="1" smtClean="0">
+                <a:latin typeface="Courier New"/>
+                <a:cs typeface="Courier New"/>
+              </a:rPr>
+              <a:t>runAssembly</a:t>
+            </a:r>
+            <a:r>
+              <a:rPr lang="en-US" sz="2000" dirty="0" smtClean="0">
+                <a:latin typeface="Courier New"/>
+                <a:cs typeface="Courier New"/>
+              </a:rPr>
+              <a:t> </a:t>
+            </a:r>
+            <a:r>
+              <a:rPr lang="en-US" sz="2000" dirty="0">
+                <a:latin typeface="Courier New"/>
+                <a:cs typeface="Courier New"/>
+              </a:rPr>
+              <a:t>-o </a:t>
+            </a:r>
+            <a:r>
+              <a:rPr lang="en-US" sz="2000" dirty="0" smtClean="0">
+                <a:latin typeface="Courier New"/>
+                <a:cs typeface="Courier New"/>
+              </a:rPr>
+              <a:t>percent -</a:t>
+            </a:r>
+            <a:r>
+              <a:rPr lang="en-US" sz="2000" dirty="0">
+                <a:latin typeface="Courier New"/>
+                <a:cs typeface="Courier New"/>
+              </a:rPr>
+              <a:t>ml </a:t>
+            </a:r>
+            <a:r>
+              <a:rPr lang="en-US" sz="2000" dirty="0" smtClean="0">
+                <a:latin typeface="Courier New"/>
+                <a:cs typeface="Courier New"/>
+              </a:rPr>
+              <a:t>50% /</a:t>
+            </a:r>
+            <a:r>
+              <a:rPr lang="en-US" sz="2000" dirty="0">
+                <a:latin typeface="Courier New"/>
+                <a:cs typeface="Courier New"/>
+              </a:rPr>
+              <a:t>data/*.</a:t>
+            </a:r>
+            <a:r>
+              <a:rPr lang="en-US" sz="2000" dirty="0" err="1">
+                <a:latin typeface="Courier New"/>
+                <a:cs typeface="Courier New"/>
+              </a:rPr>
+              <a:t>sff</a:t>
+            </a:r>
+            <a:endParaRPr lang="en-US" sz="2000" dirty="0">
+              <a:latin typeface="Courier New"/>
+              <a:cs typeface="Courier New"/>
+            </a:endParaRPr>
+          </a:p>
+          <a:p>
+            <a:endParaRPr lang="en-US" sz="2000" dirty="0" smtClean="0">
+              <a:latin typeface="Courier New"/>
+              <a:cs typeface="Courier New"/>
+            </a:endParaRPr>
+          </a:p>
+          <a:p>
             <a:pPr algn="ctr"/>
             <a:endParaRPr lang="en-US" dirty="0" smtClean="0"/>
+          </a:p>
+          <a:p>
+            <a:pPr algn="ctr"/>
+            <a:endParaRPr lang="en-US" dirty="0"/>
           </a:p>
         </p:txBody>
       </p:sp>
@@ -6231,7 +6306,7 @@
   <p:timing>
     <p:tnLst>
       <p:par>
-        <p:cTn id="1" dur="indefinite" restart="never" nodeType="tmRoot"/>
+        <p:cTn xmlns:p14="http://schemas.microsoft.com/office/powerpoint/2010/main" id="1" dur="indefinite" restart="never" nodeType="tmRoot"/>
       </p:par>
     </p:tnLst>
   </p:timing>
